--- a/10 - Sequential Building Blocks/10 - Sequential Building Blocks.pptx
+++ b/10 - Sequential Building Blocks/10 - Sequential Building Blocks.pptx
@@ -5,7 +5,7 @@
     <p:sldMasterId id="2147483659" r:id="rId1"/>
   </p:sldMasterIdLst>
   <p:notesMasterIdLst>
-    <p:notesMasterId r:id="rId29"/>
+    <p:notesMasterId r:id="rId28"/>
   </p:notesMasterIdLst>
   <p:sldIdLst>
     <p:sldId id="256" r:id="rId2"/>
@@ -34,24 +34,23 @@
     <p:sldId id="281" r:id="rId25"/>
     <p:sldId id="282" r:id="rId26"/>
     <p:sldId id="283" r:id="rId27"/>
-    <p:sldId id="284" r:id="rId28"/>
   </p:sldIdLst>
   <p:sldSz cx="9144000" cy="6858000" type="screen4x3"/>
   <p:notesSz cx="6858000" cy="9144000"/>
   <p:embeddedFontLst>
     <p:embeddedFont>
       <p:font typeface="Economica" panose="02000506040000020004" pitchFamily="2" charset="77"/>
-      <p:regular r:id="rId30"/>
-      <p:bold r:id="rId31"/>
-      <p:italic r:id="rId32"/>
-      <p:boldItalic r:id="rId33"/>
+      <p:regular r:id="rId29"/>
+      <p:bold r:id="rId30"/>
+      <p:italic r:id="rId31"/>
+      <p:boldItalic r:id="rId32"/>
     </p:embeddedFont>
     <p:embeddedFont>
       <p:font typeface="Open Sans" panose="020B0606030504020204" pitchFamily="34" charset="0"/>
-      <p:regular r:id="rId34"/>
-      <p:bold r:id="rId35"/>
-      <p:italic r:id="rId36"/>
-      <p:boldItalic r:id="rId37"/>
+      <p:regular r:id="rId33"/>
+      <p:bold r:id="rId34"/>
+      <p:italic r:id="rId35"/>
+      <p:boldItalic r:id="rId36"/>
     </p:embeddedFont>
   </p:embeddedFontLst>
   <p:defaultTextStyle>
@@ -5612,115 +5611,6 @@
     <p:extLst>
       <p:ext uri="{BB962C8B-B14F-4D97-AF65-F5344CB8AC3E}">
         <p14:creationId xmlns:p14="http://schemas.microsoft.com/office/powerpoint/2010/main" val="3377509966"/>
-      </p:ext>
-    </p:extLst>
-  </p:cSld>
-  <p:clrMapOvr>
-    <a:masterClrMapping/>
-  </p:clrMapOvr>
-</p:notes>
-</file>
-
-<file path=ppt/notesSlides/notesSlide26.xml><?xml version="1.0" encoding="utf-8"?>
-<p:notes xmlns:a="http://schemas.openxmlformats.org/drawingml/2006/main" xmlns:r="http://schemas.openxmlformats.org/officeDocument/2006/relationships" xmlns:p="http://schemas.openxmlformats.org/presentationml/2006/main" showMasterSp="0" showMasterPhAnim="0">
-  <p:cSld>
-    <p:spTree>
-      <p:nvGrpSpPr>
-        <p:cNvPr id="1" name="Shape 79"/>
-        <p:cNvGrpSpPr/>
-        <p:nvPr/>
-      </p:nvGrpSpPr>
-      <p:grpSpPr>
-        <a:xfrm>
-          <a:off x="0" y="0"/>
-          <a:ext cx="0" cy="0"/>
-          <a:chOff x="0" y="0"/>
-          <a:chExt cx="0" cy="0"/>
-        </a:xfrm>
-      </p:grpSpPr>
-      <p:sp>
-        <p:nvSpPr>
-          <p:cNvPr id="80" name="Google Shape;80;geed6aedbf_0_0:notes"/>
-          <p:cNvSpPr>
-            <a:spLocks noGrp="1" noRot="1" noChangeAspect="1"/>
-          </p:cNvSpPr>
-          <p:nvPr>
-            <p:ph type="sldImg" idx="2"/>
-          </p:nvPr>
-        </p:nvSpPr>
-        <p:spPr>
-          <a:xfrm>
-            <a:off x="1143000" y="685800"/>
-            <a:ext cx="4572000" cy="3429000"/>
-          </a:xfrm>
-          <a:custGeom>
-            <a:avLst/>
-            <a:gdLst/>
-            <a:ahLst/>
-            <a:cxnLst/>
-            <a:rect l="l" t="t" r="r" b="b"/>
-            <a:pathLst>
-              <a:path w="120000" h="120000" extrusionOk="0">
-                <a:moveTo>
-                  <a:pt x="0" y="0"/>
-                </a:moveTo>
-                <a:lnTo>
-                  <a:pt x="120000" y="0"/>
-                </a:lnTo>
-                <a:lnTo>
-                  <a:pt x="120000" y="120000"/>
-                </a:lnTo>
-                <a:lnTo>
-                  <a:pt x="0" y="120000"/>
-                </a:lnTo>
-                <a:close/>
-              </a:path>
-            </a:pathLst>
-          </a:custGeom>
-        </p:spPr>
-      </p:sp>
-      <p:sp>
-        <p:nvSpPr>
-          <p:cNvPr id="81" name="Google Shape;81;geed6aedbf_0_0:notes"/>
-          <p:cNvSpPr txBox="1">
-            <a:spLocks noGrp="1"/>
-          </p:cNvSpPr>
-          <p:nvPr>
-            <p:ph type="body" idx="1"/>
-          </p:nvPr>
-        </p:nvSpPr>
-        <p:spPr>
-          <a:xfrm>
-            <a:off x="685800" y="4343400"/>
-            <a:ext cx="5486400" cy="4114800"/>
-          </a:xfrm>
-          <a:prstGeom prst="rect">
-            <a:avLst/>
-          </a:prstGeom>
-        </p:spPr>
-        <p:txBody>
-          <a:bodyPr spcFirstLastPara="1" wrap="square" lIns="91425" tIns="91425" rIns="91425" bIns="91425" anchor="t" anchorCtr="0">
-            <a:noAutofit/>
-          </a:bodyPr>
-          <a:lstStyle/>
-          <a:p>
-            <a:pPr marL="0" lvl="0" indent="0" algn="l" rtl="0">
-              <a:spcBef>
-                <a:spcPts val="0"/>
-              </a:spcBef>
-              <a:spcAft>
-                <a:spcPts val="0"/>
-              </a:spcAft>
-              <a:buNone/>
-            </a:pPr>
-            <a:endParaRPr/>
-          </a:p>
-        </p:txBody>
-      </p:sp>
-    </p:spTree>
-    <p:extLst>
-      <p:ext uri="{BB962C8B-B14F-4D97-AF65-F5344CB8AC3E}">
-        <p14:creationId xmlns:p14="http://schemas.microsoft.com/office/powerpoint/2010/main" val="2303415418"/>
       </p:ext>
     </p:extLst>
   </p:cSld>
@@ -11714,197 +11604,32 @@
       </p:sp>
       <p:pic>
         <p:nvPicPr>
-          <p:cNvPr id="4" name="Picture 2">
+          <p:cNvPr id="12" name="Immagine 11" descr="Immagine che contiene vestiti, uomo, schermata, testo&#10;&#10;Descrizione generata automaticamente">
             <a:extLst>
               <a:ext uri="{FF2B5EF4-FFF2-40B4-BE49-F238E27FC236}">
-                <a16:creationId xmlns:a16="http://schemas.microsoft.com/office/drawing/2014/main" id="{6D6E5821-1D95-F9E8-801D-4F93DA8E8549}"/>
+                <a16:creationId xmlns:a16="http://schemas.microsoft.com/office/drawing/2014/main" id="{0EDBF9A9-B2D3-35EB-2041-72F69C8109EC}"/>
               </a:ext>
             </a:extLst>
           </p:cNvPr>
           <p:cNvPicPr>
-            <a:picLocks noChangeAspect="1" noChangeArrowheads="1"/>
+            <a:picLocks noChangeAspect="1"/>
           </p:cNvPicPr>
           <p:nvPr/>
         </p:nvPicPr>
-        <p:blipFill rotWithShape="1">
-          <a:blip r:embed="rId3">
-            <a:extLst>
-              <a:ext uri="{28A0092B-C50C-407E-A947-70E740481C1C}">
-                <a14:useLocalDpi xmlns:a14="http://schemas.microsoft.com/office/drawing/2010/main" val="0"/>
-              </a:ext>
-            </a:extLst>
-          </a:blip>
-          <a:srcRect l="2671" t="16470" r="2645" b="4052"/>
-          <a:stretch/>
+        <p:blipFill>
+          <a:blip r:embed="rId3"/>
+          <a:stretch>
+            <a:fillRect/>
+          </a:stretch>
         </p:blipFill>
-        <p:spPr bwMode="auto">
+        <p:spPr>
           <a:xfrm>
-            <a:off x="3440211" y="1057945"/>
-            <a:ext cx="5388147" cy="5118740"/>
+            <a:off x="175315" y="1102216"/>
+            <a:ext cx="8839290" cy="5563626"/>
           </a:xfrm>
           <a:prstGeom prst="rect">
             <a:avLst/>
           </a:prstGeom>
-          <a:noFill/>
-          <a:extLst>
-            <a:ext uri="{909E8E84-426E-40DD-AFC4-6F175D3DCCD1}">
-              <a14:hiddenFill xmlns:a14="http://schemas.microsoft.com/office/drawing/2010/main">
-                <a:solidFill>
-                  <a:srgbClr val="FFFFFF"/>
-                </a:solidFill>
-              </a14:hiddenFill>
-            </a:ext>
-          </a:extLst>
-        </p:spPr>
-      </p:pic>
-      <p:sp>
-        <p:nvSpPr>
-          <p:cNvPr id="5" name="Google Shape;84;p14">
-            <a:extLst>
-              <a:ext uri="{FF2B5EF4-FFF2-40B4-BE49-F238E27FC236}">
-                <a16:creationId xmlns:a16="http://schemas.microsoft.com/office/drawing/2014/main" id="{32F3024B-9187-9A17-DB3C-7346240E73B2}"/>
-              </a:ext>
-            </a:extLst>
-          </p:cNvPr>
-          <p:cNvSpPr txBox="1">
-            <a:spLocks noGrp="1"/>
-          </p:cNvSpPr>
-          <p:nvPr>
-            <p:ph type="body" idx="1"/>
-          </p:nvPr>
-        </p:nvSpPr>
-        <p:spPr>
-          <a:xfrm>
-            <a:off x="162750" y="1046994"/>
-            <a:ext cx="8818500" cy="5648012"/>
-          </a:xfrm>
-          <a:prstGeom prst="rect">
-            <a:avLst/>
-          </a:prstGeom>
-        </p:spPr>
-        <p:txBody>
-          <a:bodyPr spcFirstLastPara="1" wrap="square" lIns="91425" tIns="91425" rIns="91425" bIns="91425" anchor="t" anchorCtr="0">
-            <a:noAutofit/>
-          </a:bodyPr>
-          <a:lstStyle/>
-          <a:p>
-            <a:pPr lvl="0"/>
-            <a:r>
-              <a:rPr lang="en-GB" dirty="0"/>
-              <a:t>1956, IBM 305 RAMAC </a:t>
-            </a:r>
-          </a:p>
-          <a:p>
-            <a:pPr lvl="0"/>
-            <a:r>
-              <a:rPr lang="en-GB" dirty="0"/>
-              <a:t>5MB Hard Drive</a:t>
-            </a:r>
-          </a:p>
-          <a:p>
-            <a:pPr lvl="0"/>
-            <a:r>
-              <a:rPr lang="en-GB" dirty="0"/>
-              <a:t>$3,200 (equivalent to </a:t>
-            </a:r>
-            <a:br>
-              <a:rPr lang="en-GB" dirty="0"/>
-            </a:br>
-            <a:r>
-              <a:rPr lang="en-GB" dirty="0"/>
-              <a:t>$30,874 today)… </a:t>
-            </a:r>
-            <a:br>
-              <a:rPr lang="en-GB" dirty="0"/>
-            </a:br>
-            <a:r>
-              <a:rPr lang="en-GB" dirty="0"/>
-              <a:t>…per month</a:t>
-            </a:r>
-          </a:p>
-          <a:p>
-            <a:pPr lvl="0"/>
-            <a:endParaRPr lang="en-GB" dirty="0"/>
-          </a:p>
-          <a:p>
-            <a:pPr lvl="0"/>
-            <a:endParaRPr lang="en-GB" dirty="0"/>
-          </a:p>
-          <a:p>
-            <a:pPr lvl="0"/>
-            <a:endParaRPr lang="en-GB" dirty="0"/>
-          </a:p>
-          <a:p>
-            <a:pPr lvl="0"/>
-            <a:endParaRPr lang="en-GB" dirty="0"/>
-          </a:p>
-          <a:p>
-            <a:pPr lvl="0"/>
-            <a:endParaRPr lang="en-GB" dirty="0"/>
-          </a:p>
-          <a:p>
-            <a:pPr lvl="0"/>
-            <a:endParaRPr lang="en-GB" dirty="0"/>
-          </a:p>
-          <a:p>
-            <a:pPr lvl="0"/>
-            <a:endParaRPr lang="en-GB" dirty="0"/>
-          </a:p>
-          <a:p>
-            <a:pPr lvl="0"/>
-            <a:endParaRPr lang="en-GB" dirty="0"/>
-          </a:p>
-          <a:p>
-            <a:pPr lvl="1"/>
-            <a:endParaRPr lang="en-GB" dirty="0"/>
-          </a:p>
-        </p:txBody>
-      </p:sp>
-      <p:pic>
-        <p:nvPicPr>
-          <p:cNvPr id="1028" name="Picture 4">
-            <a:extLst>
-              <a:ext uri="{FF2B5EF4-FFF2-40B4-BE49-F238E27FC236}">
-                <a16:creationId xmlns:a16="http://schemas.microsoft.com/office/drawing/2014/main" id="{AD3E4DBD-B3DA-4BA7-ADDA-5DE906B747F5}"/>
-              </a:ext>
-            </a:extLst>
-          </p:cNvPr>
-          <p:cNvPicPr>
-            <a:picLocks noChangeAspect="1" noChangeArrowheads="1"/>
-          </p:cNvPicPr>
-          <p:nvPr/>
-        </p:nvPicPr>
-        <p:blipFill>
-          <a:blip r:embed="rId4">
-            <a:extLst>
-              <a:ext uri="{28A0092B-C50C-407E-A947-70E740481C1C}">
-                <a14:useLocalDpi xmlns:a14="http://schemas.microsoft.com/office/drawing/2010/main" val="0"/>
-              </a:ext>
-            </a:extLst>
-          </a:blip>
-          <a:srcRect/>
-          <a:stretch>
-            <a:fillRect/>
-          </a:stretch>
-        </p:blipFill>
-        <p:spPr bwMode="auto">
-          <a:xfrm>
-            <a:off x="311700" y="3963255"/>
-            <a:ext cx="3429000" cy="2451100"/>
-          </a:xfrm>
-          <a:prstGeom prst="rect">
-            <a:avLst/>
-          </a:prstGeom>
-          <a:noFill/>
-          <a:extLst>
-            <a:ext uri="{909E8E84-426E-40DD-AFC4-6F175D3DCCD1}">
-              <a14:hiddenFill xmlns:a14="http://schemas.microsoft.com/office/drawing/2010/main">
-                <a:solidFill>
-                  <a:srgbClr val="FFFFFF"/>
-                </a:solidFill>
-              </a14:hiddenFill>
-            </a:ext>
-          </a:extLst>
         </p:spPr>
       </p:pic>
     </p:spTree>
@@ -12013,25 +11738,7 @@
             <a:pPr lvl="1"/>
             <a:r>
               <a:rPr lang="en-GB" dirty="0"/>
-              <a:t>the memory </a:t>
-            </a:r>
-            <a:r>
-              <a:rPr lang="en-GB" b="1" dirty="0"/>
-              <a:t>reads or writes </a:t>
-            </a:r>
-            <a:r>
-              <a:rPr lang="en-GB" dirty="0"/>
-              <a:t>the contents of one of the rows of the array</a:t>
-            </a:r>
-          </a:p>
-          <a:p>
-            <a:pPr lvl="1"/>
-            <a:endParaRPr lang="en-GB" sz="400" dirty="0"/>
-          </a:p>
-          <a:p>
-            <a:r>
-              <a:rPr lang="en-GB" dirty="0"/>
-              <a:t>The row is specified by an </a:t>
+              <a:t>row is specified by an </a:t>
             </a:r>
             <a:r>
               <a:rPr lang="en-GB" b="1" dirty="0"/>
@@ -12039,9 +11746,22 @@
             </a:r>
           </a:p>
           <a:p>
-            <a:r>
-              <a:rPr lang="en-GB" dirty="0"/>
-              <a:t>The value read or written is called </a:t>
+            <a:pPr lvl="2"/>
+            <a:r>
+              <a:rPr lang="en-GB" b="1" dirty="0"/>
+              <a:t>depth</a:t>
+            </a:r>
+            <a:r>
+              <a:rPr lang="en-GB" dirty="0"/>
+              <a:t> of an array is the number of rows</a:t>
+            </a:r>
+            <a:endParaRPr lang="en-GB" b="1" dirty="0"/>
+          </a:p>
+          <a:p>
+            <a:pPr lvl="1"/>
+            <a:r>
+              <a:rPr lang="en-GB" dirty="0"/>
+              <a:t>value read or written is called </a:t>
             </a:r>
             <a:r>
               <a:rPr lang="en-GB" b="1" dirty="0"/>
@@ -12049,9 +11769,31 @@
             </a:r>
           </a:p>
           <a:p>
-            <a:r>
-              <a:rPr lang="en-GB" dirty="0"/>
-              <a:t>An array with N-bit addresses and M-bit data </a:t>
+            <a:pPr lvl="2"/>
+            <a:r>
+              <a:rPr lang="en-GB" b="1" dirty="0"/>
+              <a:t>width</a:t>
+            </a:r>
+            <a:r>
+              <a:rPr lang="en-GB" dirty="0"/>
+              <a:t> is the number of columns, also </a:t>
+            </a:r>
+            <a:br>
+              <a:rPr lang="en-GB" dirty="0"/>
+            </a:br>
+            <a:r>
+              <a:rPr lang="en-GB" dirty="0"/>
+              <a:t>called the </a:t>
+            </a:r>
+            <a:r>
+              <a:rPr lang="en-GB" b="1" dirty="0"/>
+              <a:t>word size</a:t>
+            </a:r>
+          </a:p>
+          <a:p>
+            <a:r>
+              <a:rPr lang="en-GB" dirty="0"/>
+              <a:t>Memory with N-bit address and M-bit data </a:t>
             </a:r>
             <a:br>
               <a:rPr lang="en-GB" dirty="0"/>
@@ -12070,75 +11812,10 @@
             </a:r>
           </a:p>
           <a:p>
-            <a:r>
-              <a:rPr lang="en-GB" dirty="0"/>
-              <a:t>Each row of data is called a </a:t>
-            </a:r>
-            <a:r>
-              <a:rPr lang="en-GB" b="1" dirty="0"/>
-              <a:t>word</a:t>
-            </a:r>
-          </a:p>
-          <a:p>
             <a:pPr lvl="1"/>
             <a:r>
               <a:rPr lang="en-GB" dirty="0"/>
-              <a:t>the array contains 2</a:t>
-            </a:r>
-            <a:r>
-              <a:rPr lang="en-GB" baseline="30000" dirty="0"/>
-              <a:t>N</a:t>
-            </a:r>
-            <a:r>
-              <a:rPr lang="en-GB" dirty="0"/>
-              <a:t> M-bit words</a:t>
-            </a:r>
-          </a:p>
-          <a:p>
-            <a:pPr marL="120650" indent="0">
-              <a:buNone/>
-            </a:pPr>
-            <a:endParaRPr lang="en-GB" sz="500" dirty="0"/>
-          </a:p>
-          <a:p>
-            <a:pPr lvl="0"/>
-            <a:r>
-              <a:rPr lang="en-GB" dirty="0"/>
-              <a:t>The </a:t>
-            </a:r>
-            <a:r>
-              <a:rPr lang="en-GB" b="1" dirty="0"/>
-              <a:t>depth</a:t>
-            </a:r>
-            <a:r>
-              <a:rPr lang="en-GB" dirty="0"/>
-              <a:t> of an array is the number of rows</a:t>
-            </a:r>
-          </a:p>
-          <a:p>
-            <a:pPr lvl="0"/>
-            <a:r>
-              <a:rPr lang="en-GB" dirty="0"/>
-              <a:t>the </a:t>
-            </a:r>
-            <a:r>
-              <a:rPr lang="en-GB" b="1" dirty="0"/>
-              <a:t>width</a:t>
-            </a:r>
-            <a:r>
-              <a:rPr lang="en-GB" dirty="0"/>
-              <a:t> is the number of columns, also called the </a:t>
-            </a:r>
-            <a:r>
-              <a:rPr lang="en-GB" b="1" dirty="0"/>
-              <a:t>word size</a:t>
-            </a:r>
-          </a:p>
-          <a:p>
-            <a:pPr lvl="0"/>
-            <a:r>
-              <a:rPr lang="en-GB" dirty="0"/>
-              <a:t>The size of an array is given as </a:t>
+              <a:t>Memory size is given as </a:t>
             </a:r>
             <a:r>
               <a:rPr lang="en-GB" b="1" dirty="0"/>
@@ -12148,6 +11825,10 @@
           </a:p>
           <a:p>
             <a:pPr lvl="0"/>
+            <a:endParaRPr lang="en-GB" dirty="0"/>
+          </a:p>
+          <a:p>
+            <a:pPr lvl="0"/>
             <a:r>
               <a:rPr lang="en-GB" dirty="0"/>
               <a:t>Example:</a:t>
@@ -12164,7 +11845,14 @@
             <a:pPr lvl="1"/>
             <a:r>
               <a:rPr lang="en-GB" dirty="0"/>
-              <a:t>the two address bits specify one of the four rows (data words)</a:t>
+              <a:t>the two address bits specify one of the four rows </a:t>
+            </a:r>
+            <a:br>
+              <a:rPr lang="en-GB" dirty="0"/>
+            </a:br>
+            <a:r>
+              <a:rPr lang="en-GB" dirty="0"/>
+              <a:t>(data words)</a:t>
             </a:r>
           </a:p>
           <a:p>
@@ -12178,7 +11866,7 @@
             <a:pPr lvl="1"/>
             <a:r>
               <a:rPr lang="en-GB" dirty="0"/>
-              <a:t>it is a 4-word * 3-bit array, or simply 4 × 3 array</a:t>
+              <a:t>it is a 4-word * 3-bit array, or simply 4 × 3 memory</a:t>
             </a:r>
           </a:p>
           <a:p>
@@ -12192,10 +11880,10 @@
       </p:sp>
       <p:pic>
         <p:nvPicPr>
-          <p:cNvPr id="3" name="Immagine 2">
+          <p:cNvPr id="14" name="Immagine 13" descr="Immagine che contiene testo, diagramma, schermata, linea&#10;&#10;Descrizione generata automaticamente">
             <a:extLst>
               <a:ext uri="{FF2B5EF4-FFF2-40B4-BE49-F238E27FC236}">
-                <a16:creationId xmlns:a16="http://schemas.microsoft.com/office/drawing/2014/main" id="{2C50056C-EBF8-1EEC-1F46-F57FECC09C52}"/>
+                <a16:creationId xmlns:a16="http://schemas.microsoft.com/office/drawing/2014/main" id="{E29A70CE-4703-019E-F884-5828B3A5FFCA}"/>
               </a:ext>
             </a:extLst>
           </p:cNvPr>
@@ -12212,125 +11900,20 @@
         </p:blipFill>
         <p:spPr>
           <a:xfrm>
-            <a:off x="6138719" y="2217800"/>
-            <a:ext cx="1893454" cy="1452512"/>
+            <a:off x="5174392" y="1488572"/>
+            <a:ext cx="3806858" cy="2965450"/>
           </a:xfrm>
           <a:prstGeom prst="rect">
             <a:avLst/>
           </a:prstGeom>
         </p:spPr>
       </p:pic>
-      <p:grpSp>
-        <p:nvGrpSpPr>
-          <p:cNvPr id="2" name="Gruppo 1">
+      <p:pic>
+        <p:nvPicPr>
+          <p:cNvPr id="16" name="Immagine 15" descr="Immagine che contiene testo, diagramma, Carattere, numero&#10;&#10;Descrizione generata automaticamente">
             <a:extLst>
               <a:ext uri="{FF2B5EF4-FFF2-40B4-BE49-F238E27FC236}">
-                <a16:creationId xmlns:a16="http://schemas.microsoft.com/office/drawing/2014/main" id="{5DBDB138-E2AF-DD2A-DDA5-1806DB7081CC}"/>
-              </a:ext>
-            </a:extLst>
-          </p:cNvPr>
-          <p:cNvGrpSpPr/>
-          <p:nvPr/>
-        </p:nvGrpSpPr>
-        <p:grpSpPr>
-          <a:xfrm>
-            <a:off x="7566396" y="4754201"/>
-            <a:ext cx="1577604" cy="1272525"/>
-            <a:chOff x="748145" y="4297001"/>
-            <a:chExt cx="2001501" cy="1589239"/>
-          </a:xfrm>
-        </p:grpSpPr>
-        <p:pic>
-          <p:nvPicPr>
-            <p:cNvPr id="4" name="Immagine 3">
-              <a:extLst>
-                <a:ext uri="{FF2B5EF4-FFF2-40B4-BE49-F238E27FC236}">
-                  <a16:creationId xmlns:a16="http://schemas.microsoft.com/office/drawing/2014/main" id="{CC7E249E-F996-1AE0-1385-53EEC84D063A}"/>
-                </a:ext>
-              </a:extLst>
-            </p:cNvPr>
-            <p:cNvPicPr>
-              <a:picLocks noChangeAspect="1"/>
-            </p:cNvPicPr>
-            <p:nvPr/>
-          </p:nvPicPr>
-          <p:blipFill>
-            <a:blip r:embed="rId4"/>
-            <a:stretch>
-              <a:fillRect/>
-            </a:stretch>
-          </p:blipFill>
-          <p:spPr>
-            <a:xfrm>
-              <a:off x="748145" y="4297001"/>
-              <a:ext cx="2001501" cy="1501126"/>
-            </a:xfrm>
-            <a:prstGeom prst="rect">
-              <a:avLst/>
-            </a:prstGeom>
-          </p:spPr>
-        </p:pic>
-        <p:sp>
-          <p:nvSpPr>
-            <p:cNvPr id="5" name="Rettangolo 4">
-              <a:extLst>
-                <a:ext uri="{FF2B5EF4-FFF2-40B4-BE49-F238E27FC236}">
-                  <a16:creationId xmlns:a16="http://schemas.microsoft.com/office/drawing/2014/main" id="{D961C117-170E-BBB0-C7C4-148A3A028FAB}"/>
-                </a:ext>
-              </a:extLst>
-            </p:cNvPr>
-            <p:cNvSpPr/>
-            <p:nvPr/>
-          </p:nvSpPr>
-          <p:spPr>
-            <a:xfrm>
-              <a:off x="748145" y="5663045"/>
-              <a:ext cx="436419" cy="223195"/>
-            </a:xfrm>
-            <a:prstGeom prst="rect">
-              <a:avLst/>
-            </a:prstGeom>
-            <a:solidFill>
-              <a:schemeClr val="bg1"/>
-            </a:solidFill>
-            <a:ln>
-              <a:solidFill>
-                <a:schemeClr val="bg1"/>
-              </a:solidFill>
-            </a:ln>
-          </p:spPr>
-          <p:style>
-            <a:lnRef idx="2">
-              <a:schemeClr val="accent1">
-                <a:shade val="50000"/>
-              </a:schemeClr>
-            </a:lnRef>
-            <a:fillRef idx="1">
-              <a:schemeClr val="accent1"/>
-            </a:fillRef>
-            <a:effectRef idx="0">
-              <a:schemeClr val="accent1"/>
-            </a:effectRef>
-            <a:fontRef idx="minor">
-              <a:schemeClr val="lt1"/>
-            </a:fontRef>
-          </p:style>
-          <p:txBody>
-            <a:bodyPr rtlCol="0" anchor="ctr"/>
-            <a:lstStyle/>
-            <a:p>
-              <a:pPr algn="ctr"/>
-              <a:endParaRPr lang="en-GB"/>
-            </a:p>
-          </p:txBody>
-        </p:sp>
-      </p:grpSp>
-      <p:pic>
-        <p:nvPicPr>
-          <p:cNvPr id="6" name="Immagine 5">
-            <a:extLst>
-              <a:ext uri="{FF2B5EF4-FFF2-40B4-BE49-F238E27FC236}">
-                <a16:creationId xmlns:a16="http://schemas.microsoft.com/office/drawing/2014/main" id="{17DF7E9B-0F3F-7C2C-A563-E26A93EDCE5E}"/>
+                <a16:creationId xmlns:a16="http://schemas.microsoft.com/office/drawing/2014/main" id="{78E5017E-8D3C-2FA4-9479-19ECEBCEFEBA}"/>
               </a:ext>
             </a:extLst>
           </p:cNvPr>
@@ -12340,15 +11923,15 @@
           <p:nvPr/>
         </p:nvPicPr>
         <p:blipFill>
-          <a:blip r:embed="rId5"/>
+          <a:blip r:embed="rId4"/>
           <a:stretch>
             <a:fillRect/>
           </a:stretch>
         </p:blipFill>
         <p:spPr>
           <a:xfrm>
-            <a:off x="6938407" y="5403172"/>
-            <a:ext cx="1497198" cy="1261924"/>
+            <a:off x="6379924" y="4578466"/>
+            <a:ext cx="2601326" cy="2071715"/>
           </a:xfrm>
           <a:prstGeom prst="rect">
             <a:avLst/>
@@ -12385,6 +11968,36 @@
           <a:chExt cx="0" cy="0"/>
         </a:xfrm>
       </p:grpSpPr>
+      <p:pic>
+        <p:nvPicPr>
+          <p:cNvPr id="4" name="Immagine 3" descr="Immagine che contiene linea, testo, diagramma, design&#10;&#10;Descrizione generata automaticamente">
+            <a:extLst>
+              <a:ext uri="{FF2B5EF4-FFF2-40B4-BE49-F238E27FC236}">
+                <a16:creationId xmlns:a16="http://schemas.microsoft.com/office/drawing/2014/main" id="{7668BA66-5CEA-C5E9-EB36-E96F25FF1C46}"/>
+              </a:ext>
+            </a:extLst>
+          </p:cNvPr>
+          <p:cNvPicPr>
+            <a:picLocks noChangeAspect="1"/>
+          </p:cNvPicPr>
+          <p:nvPr/>
+        </p:nvPicPr>
+        <p:blipFill>
+          <a:blip r:embed="rId3"/>
+          <a:stretch>
+            <a:fillRect/>
+          </a:stretch>
+        </p:blipFill>
+        <p:spPr>
+          <a:xfrm>
+            <a:off x="5810732" y="313657"/>
+            <a:ext cx="3251200" cy="2946400"/>
+          </a:xfrm>
+          <a:prstGeom prst="rect">
+            <a:avLst/>
+          </a:prstGeom>
+        </p:spPr>
+      </p:pic>
       <p:sp>
         <p:nvSpPr>
           <p:cNvPr id="83" name="Google Shape;83;p14"/>
@@ -12439,7 +12052,7 @@
         </p:nvSpPr>
         <p:spPr>
           <a:xfrm>
-            <a:off x="162750" y="1043733"/>
+            <a:off x="162750" y="976498"/>
             <a:ext cx="8818500" cy="5554494"/>
           </a:xfrm>
           <a:prstGeom prst="rect">
@@ -12491,7 +12104,14 @@
             <a:pPr lvl="1"/>
             <a:r>
               <a:rPr lang="en-GB" dirty="0"/>
-              <a:t>for each combination of address bits, the memory asserts a single </a:t>
+              <a:t>for each combination of address bits, the memory asserts </a:t>
+            </a:r>
+            <a:br>
+              <a:rPr lang="en-GB" dirty="0"/>
+            </a:br>
+            <a:r>
+              <a:rPr lang="en-GB" dirty="0"/>
+              <a:t>a single </a:t>
             </a:r>
             <a:r>
               <a:rPr lang="en-GB" dirty="0" err="1"/>
@@ -12675,36 +12295,6 @@
           </a:p>
         </p:txBody>
       </p:sp>
-      <p:pic>
-        <p:nvPicPr>
-          <p:cNvPr id="3" name="Immagine 2">
-            <a:extLst>
-              <a:ext uri="{FF2B5EF4-FFF2-40B4-BE49-F238E27FC236}">
-                <a16:creationId xmlns:a16="http://schemas.microsoft.com/office/drawing/2014/main" id="{FB0CCCA9-BC78-CA57-105E-076090C5630C}"/>
-              </a:ext>
-            </a:extLst>
-          </p:cNvPr>
-          <p:cNvPicPr>
-            <a:picLocks noChangeAspect="1"/>
-          </p:cNvPicPr>
-          <p:nvPr/>
-        </p:nvPicPr>
-        <p:blipFill>
-          <a:blip r:embed="rId3"/>
-          <a:stretch>
-            <a:fillRect/>
-          </a:stretch>
-        </p:blipFill>
-        <p:spPr>
-          <a:xfrm>
-            <a:off x="6501822" y="790863"/>
-            <a:ext cx="2019241" cy="1214581"/>
-          </a:xfrm>
-          <a:prstGeom prst="rect">
-            <a:avLst/>
-          </a:prstGeom>
-        </p:spPr>
-      </p:pic>
     </p:spTree>
     <p:extLst>
       <p:ext uri="{BB962C8B-B14F-4D97-AF65-F5344CB8AC3E}">
@@ -12852,10 +12442,10 @@
       </p:sp>
       <p:pic>
         <p:nvPicPr>
-          <p:cNvPr id="3" name="Immagine 2">
+          <p:cNvPr id="4" name="Immagine 3" descr="Immagine che contiene diagramma, testo, Piano, schematico&#10;&#10;Descrizione generata automaticamente">
             <a:extLst>
               <a:ext uri="{FF2B5EF4-FFF2-40B4-BE49-F238E27FC236}">
-                <a16:creationId xmlns:a16="http://schemas.microsoft.com/office/drawing/2014/main" id="{9BF4E258-834E-B954-53FA-88D253C77A63}"/>
+                <a16:creationId xmlns:a16="http://schemas.microsoft.com/office/drawing/2014/main" id="{10F43FEB-D8FB-33E6-A617-8F721C82AA8B}"/>
               </a:ext>
             </a:extLst>
           </p:cNvPr>
@@ -12872,38 +12462,8 @@
         </p:blipFill>
         <p:spPr>
           <a:xfrm>
-            <a:off x="1320258" y="2315490"/>
-            <a:ext cx="7512042" cy="4361296"/>
-          </a:xfrm>
-          <a:prstGeom prst="rect">
-            <a:avLst/>
-          </a:prstGeom>
-        </p:spPr>
-      </p:pic>
-      <p:pic>
-        <p:nvPicPr>
-          <p:cNvPr id="7" name="Immagine 6">
-            <a:extLst>
-              <a:ext uri="{FF2B5EF4-FFF2-40B4-BE49-F238E27FC236}">
-                <a16:creationId xmlns:a16="http://schemas.microsoft.com/office/drawing/2014/main" id="{002458EF-7651-9948-71C0-2B5DD4347C3A}"/>
-              </a:ext>
-            </a:extLst>
-          </p:cNvPr>
-          <p:cNvPicPr>
-            <a:picLocks noChangeAspect="1"/>
-          </p:cNvPicPr>
-          <p:nvPr/>
-        </p:nvPicPr>
-        <p:blipFill>
-          <a:blip r:embed="rId4"/>
-          <a:stretch>
-            <a:fillRect/>
-          </a:stretch>
-        </p:blipFill>
-        <p:spPr>
-          <a:xfrm>
-            <a:off x="586509" y="1767032"/>
-            <a:ext cx="1917700" cy="1536700"/>
+            <a:off x="860612" y="1581478"/>
+            <a:ext cx="6615953" cy="5108768"/>
           </a:xfrm>
           <a:prstGeom prst="rect">
             <a:avLst/>
@@ -13009,7 +12569,11 @@
             <a:pPr lvl="0"/>
             <a:r>
               <a:rPr lang="en-GB" dirty="0"/>
-              <a:t>DRAM stores data as a charge on a capacitor</a:t>
+              <a:t>DRAM stores data as a charge on a </a:t>
+            </a:r>
+            <a:r>
+              <a:rPr lang="en-GB" b="1" dirty="0"/>
+              <a:t>capacitor</a:t>
             </a:r>
           </a:p>
           <a:p>
@@ -13023,11 +12587,8 @@
             <a:pPr lvl="1"/>
             <a:r>
               <a:rPr lang="en-GB" dirty="0"/>
-              <a:t>connects or disconnects the capacitor from the </a:t>
-            </a:r>
-            <a:br>
-              <a:rPr lang="en-GB" dirty="0"/>
-            </a:br>
+              <a:t>connects or disconnects the capacitor from the  </a:t>
+            </a:r>
             <a:r>
               <a:rPr lang="en-GB" dirty="0" err="1"/>
               <a:t>bitline</a:t>
@@ -13035,64 +12596,52 @@
             <a:endParaRPr lang="en-GB" dirty="0"/>
           </a:p>
           <a:p>
+            <a:pPr lvl="2"/>
             <a:r>
               <a:rPr lang="en-GB" dirty="0"/>
               <a:t>when the capacitor is charged to VDD, the stored bit is 1</a:t>
             </a:r>
           </a:p>
           <a:p>
+            <a:pPr lvl="2"/>
             <a:r>
               <a:rPr lang="en-GB" dirty="0"/>
               <a:t>when it is discharged to GND, the stored bit is 0</a:t>
             </a:r>
           </a:p>
           <a:p>
-            <a:pPr lvl="0"/>
             <a:endParaRPr lang="en-GB" dirty="0"/>
           </a:p>
           <a:p>
-            <a:pPr lvl="0"/>
-            <a:endParaRPr lang="en-GB" dirty="0"/>
-          </a:p>
-          <a:p>
-            <a:pPr lvl="0"/>
-            <a:endParaRPr lang="en-GB" dirty="0"/>
-          </a:p>
-          <a:p>
-            <a:pPr marL="120650" lvl="0" indent="0">
-              <a:buNone/>
-            </a:pPr>
-            <a:endParaRPr lang="en-GB" dirty="0"/>
-          </a:p>
-          <a:p>
-            <a:pPr lvl="0"/>
-            <a:r>
-              <a:rPr lang="en-GB" dirty="0"/>
-              <a:t>Upon a read, data are transferred from the capacitor to the </a:t>
+            <a:r>
+              <a:rPr lang="en-GB" dirty="0"/>
+              <a:t>Upon a write, data values are transferred from the </a:t>
             </a:r>
             <a:r>
               <a:rPr lang="en-GB" dirty="0" err="1"/>
               <a:t>bitline</a:t>
             </a:r>
-            <a:endParaRPr lang="en-GB" dirty="0"/>
+            <a:r>
+              <a:rPr lang="en-GB" dirty="0"/>
+              <a:t> to the capacitor</a:t>
+            </a:r>
           </a:p>
           <a:p>
             <a:pPr lvl="0"/>
             <a:r>
               <a:rPr lang="en-GB" dirty="0"/>
-              <a:t>Upon a write, data values are transferred from the </a:t>
+              <a:t>Upon a read, data are transferred from the capacitor to the </a:t>
             </a:r>
             <a:r>
               <a:rPr lang="en-GB" dirty="0" err="1"/>
               <a:t>bitline</a:t>
             </a:r>
-            <a:r>
-              <a:rPr lang="en-GB" dirty="0"/>
-              <a:t> to the capacitor</a:t>
-            </a:r>
-          </a:p>
-          <a:p>
-            <a:pPr lvl="0"/>
+            <a:endParaRPr lang="en-GB" dirty="0"/>
+          </a:p>
+          <a:p>
+            <a:endParaRPr lang="en-GB" dirty="0"/>
+          </a:p>
+          <a:p>
             <a:r>
               <a:rPr lang="en-GB" dirty="0"/>
               <a:t>Reading </a:t>
@@ -13139,7 +12688,14 @@
             <a:pPr lvl="2"/>
             <a:r>
               <a:rPr lang="en-GB" dirty="0"/>
-              <a:t>the charge on the capacitor gradually leaks away</a:t>
+              <a:t>the charge on the capacitor gradually </a:t>
+            </a:r>
+            <a:br>
+              <a:rPr lang="en-GB" dirty="0"/>
+            </a:br>
+            <a:r>
+              <a:rPr lang="en-GB" dirty="0"/>
+              <a:t>leaks away</a:t>
             </a:r>
           </a:p>
           <a:p>
@@ -13150,10 +12706,10 @@
       </p:sp>
       <p:pic>
         <p:nvPicPr>
-          <p:cNvPr id="3" name="Immagine 2">
+          <p:cNvPr id="4" name="Immagine 3" descr="Immagine che contiene Viso umano, uomo, testo, persona&#10;&#10;Descrizione generata automaticamente">
             <a:extLst>
               <a:ext uri="{FF2B5EF4-FFF2-40B4-BE49-F238E27FC236}">
-                <a16:creationId xmlns:a16="http://schemas.microsoft.com/office/drawing/2014/main" id="{F12633CC-5D20-1084-2B8C-96B509EE0269}"/>
+                <a16:creationId xmlns:a16="http://schemas.microsoft.com/office/drawing/2014/main" id="{941CE20E-5B3B-44D6-1B8A-B14725ABBC73}"/>
               </a:ext>
             </a:extLst>
           </p:cNvPr>
@@ -13170,8 +12726,8 @@
         </p:blipFill>
         <p:spPr>
           <a:xfrm>
-            <a:off x="7459978" y="157714"/>
-            <a:ext cx="1481694" cy="3945122"/>
+            <a:off x="5740379" y="5449313"/>
+            <a:ext cx="3295650" cy="1189300"/>
           </a:xfrm>
           <a:prstGeom prst="rect">
             <a:avLst/>
@@ -13180,10 +12736,10 @@
       </p:pic>
       <p:pic>
         <p:nvPicPr>
-          <p:cNvPr id="5" name="Immagine 4">
+          <p:cNvPr id="3" name="Immagine 2" descr="Immagine che contiene diagramma, linea, Carattere, testo&#10;&#10;Descrizione generata automaticamente">
             <a:extLst>
               <a:ext uri="{FF2B5EF4-FFF2-40B4-BE49-F238E27FC236}">
-                <a16:creationId xmlns:a16="http://schemas.microsoft.com/office/drawing/2014/main" id="{25E495DE-8645-82A5-2A6C-D3C9A4988362}"/>
+                <a16:creationId xmlns:a16="http://schemas.microsoft.com/office/drawing/2014/main" id="{FBB73F52-2986-EAA3-6E97-E208EA7A771F}"/>
               </a:ext>
             </a:extLst>
           </p:cNvPr>
@@ -13200,37 +12756,8 @@
         </p:blipFill>
         <p:spPr>
           <a:xfrm>
-            <a:off x="5557591" y="1043733"/>
-            <a:ext cx="1778000" cy="1231900"/>
-          </a:xfrm>
-          <a:prstGeom prst="rect">
-            <a:avLst/>
-          </a:prstGeom>
-        </p:spPr>
-      </p:pic>
-      <p:pic>
-        <p:nvPicPr>
-          <p:cNvPr id="7" name="Immagine 6">
-            <a:extLst>
-              <a:ext uri="{FF2B5EF4-FFF2-40B4-BE49-F238E27FC236}">
-                <a16:creationId xmlns:a16="http://schemas.microsoft.com/office/drawing/2014/main" id="{F25F74BF-1011-4311-3D0F-644B1F26324E}"/>
-              </a:ext>
-            </a:extLst>
-          </p:cNvPr>
-          <p:cNvPicPr>
-            <a:picLocks noChangeAspect="1"/>
-          </p:cNvPicPr>
-          <p:nvPr/>
-        </p:nvPicPr>
-        <p:blipFill rotWithShape="1">
-          <a:blip r:embed="rId5"/>
-          <a:srcRect t="1" b="7253"/>
-          <a:stretch/>
-        </p:blipFill>
-        <p:spPr>
-          <a:xfrm>
-            <a:off x="762351" y="3007406"/>
-            <a:ext cx="3670300" cy="1095430"/>
+            <a:off x="6500641" y="993327"/>
+            <a:ext cx="2433523" cy="2054975"/>
           </a:xfrm>
           <a:prstGeom prst="rect">
             <a:avLst/>
@@ -13357,6 +12884,22 @@
             <a:endParaRPr lang="en-GB" dirty="0"/>
           </a:p>
           <a:p>
+            <a:pPr lvl="0"/>
+            <a:endParaRPr lang="en-GB" dirty="0"/>
+          </a:p>
+          <a:p>
+            <a:pPr lvl="0"/>
+            <a:endParaRPr lang="en-GB" dirty="0"/>
+          </a:p>
+          <a:p>
+            <a:pPr lvl="0"/>
+            <a:endParaRPr lang="en-GB" dirty="0"/>
+          </a:p>
+          <a:p>
+            <a:pPr lvl="0"/>
+            <a:endParaRPr lang="en-GB" dirty="0"/>
+          </a:p>
+          <a:p>
             <a:endParaRPr lang="en-GB" dirty="0"/>
           </a:p>
           <a:p>
@@ -13373,10 +12916,10 @@
               <a:t> and </a:t>
             </a:r>
             <a:r>
-              <a:rPr lang="en-GB" u="sng" dirty="0" err="1"/>
+              <a:rPr lang="en-GB" dirty="0" err="1"/>
               <a:t>bitline</a:t>
             </a:r>
-            <a:endParaRPr lang="en-GB" u="sng" dirty="0"/>
+            <a:endParaRPr lang="en-GB" dirty="0"/>
           </a:p>
           <a:p>
             <a:pPr lvl="1"/>
@@ -13422,10 +12965,10 @@
       </p:sp>
       <p:pic>
         <p:nvPicPr>
-          <p:cNvPr id="3" name="Immagine 2">
+          <p:cNvPr id="4" name="Immagine 3" descr="Immagine che contiene diagramma, linea, testo, Carattere&#10;&#10;Descrizione generata automaticamente">
             <a:extLst>
               <a:ext uri="{FF2B5EF4-FFF2-40B4-BE49-F238E27FC236}">
-                <a16:creationId xmlns:a16="http://schemas.microsoft.com/office/drawing/2014/main" id="{0EB4B386-62E8-FC19-90D1-064BBFD8BBF3}"/>
+                <a16:creationId xmlns:a16="http://schemas.microsoft.com/office/drawing/2014/main" id="{482F77C8-3C6C-BC9E-5AD2-49D725E76C42}"/>
               </a:ext>
             </a:extLst>
           </p:cNvPr>
@@ -13442,14 +12985,51 @@
         </p:blipFill>
         <p:spPr>
           <a:xfrm>
-            <a:off x="801914" y="1653721"/>
-            <a:ext cx="2625432" cy="1296307"/>
+            <a:off x="828597" y="1649447"/>
+            <a:ext cx="4684697" cy="2425134"/>
           </a:xfrm>
           <a:prstGeom prst="rect">
             <a:avLst/>
           </a:prstGeom>
         </p:spPr>
       </p:pic>
+      <p:cxnSp>
+        <p:nvCxnSpPr>
+          <p:cNvPr id="6" name="Connettore 1 5">
+            <a:extLst>
+              <a:ext uri="{FF2B5EF4-FFF2-40B4-BE49-F238E27FC236}">
+                <a16:creationId xmlns:a16="http://schemas.microsoft.com/office/drawing/2014/main" id="{C05B2C33-8669-BBC0-0B3D-BD3B6C884E4C}"/>
+              </a:ext>
+            </a:extLst>
+          </p:cNvPr>
+          <p:cNvCxnSpPr/>
+          <p:nvPr/>
+        </p:nvCxnSpPr>
+        <p:spPr>
+          <a:xfrm>
+            <a:off x="4477871" y="4289612"/>
+            <a:ext cx="632011" cy="0"/>
+          </a:xfrm>
+          <a:prstGeom prst="line">
+            <a:avLst/>
+          </a:prstGeom>
+          <a:ln w="12700"/>
+        </p:spPr>
+        <p:style>
+          <a:lnRef idx="1">
+            <a:schemeClr val="accent1"/>
+          </a:lnRef>
+          <a:fillRef idx="0">
+            <a:schemeClr val="accent1"/>
+          </a:fillRef>
+          <a:effectRef idx="0">
+            <a:schemeClr val="accent1"/>
+          </a:effectRef>
+          <a:fontRef idx="minor">
+            <a:schemeClr val="tx1"/>
+          </a:fontRef>
+        </p:style>
+      </p:cxnSp>
     </p:spTree>
     <p:extLst>
       <p:ext uri="{BB962C8B-B14F-4D97-AF65-F5344CB8AC3E}">
@@ -13666,10 +13246,10 @@
       </p:sp>
       <p:pic>
         <p:nvPicPr>
-          <p:cNvPr id="3" name="Immagine 2">
+          <p:cNvPr id="4" name="Immagine 3" descr="Immagine che contiene testo, Carattere, calligrafia, linea&#10;&#10;Descrizione generata automaticamente">
             <a:extLst>
               <a:ext uri="{FF2B5EF4-FFF2-40B4-BE49-F238E27FC236}">
-                <a16:creationId xmlns:a16="http://schemas.microsoft.com/office/drawing/2014/main" id="{9F494CBB-4623-454F-0E4F-49FFFF2D1FB2}"/>
+                <a16:creationId xmlns:a16="http://schemas.microsoft.com/office/drawing/2014/main" id="{058B0FFD-03A7-115D-9AB4-2F647DD6835E}"/>
               </a:ext>
             </a:extLst>
           </p:cNvPr>
@@ -13686,8 +13266,8 @@
         </p:blipFill>
         <p:spPr>
           <a:xfrm>
-            <a:off x="661306" y="1702739"/>
-            <a:ext cx="3420837" cy="1197869"/>
+            <a:off x="537509" y="1769035"/>
+            <a:ext cx="4330700" cy="1168400"/>
           </a:xfrm>
           <a:prstGeom prst="rect">
             <a:avLst/>
@@ -13777,7 +13357,7 @@
         </p:nvSpPr>
         <p:spPr>
           <a:xfrm>
-            <a:off x="162750" y="1212537"/>
+            <a:off x="162750" y="1293219"/>
             <a:ext cx="8818500" cy="5100000"/>
           </a:xfrm>
           <a:prstGeom prst="rect">
@@ -13818,7 +13398,14 @@
             <a:pPr lvl="1"/>
             <a:r>
               <a:rPr lang="en-GB" dirty="0"/>
-              <a:t>multi-ported means that can access several addresses simultaneously</a:t>
+              <a:t>multi-ported means that can access several addresses </a:t>
+            </a:r>
+            <a:br>
+              <a:rPr lang="en-GB" dirty="0"/>
+            </a:br>
+            <a:r>
+              <a:rPr lang="en-GB" dirty="0"/>
+              <a:t>simultaneously</a:t>
             </a:r>
           </a:p>
           <a:p>
@@ -13828,21 +13415,21 @@
           <a:p>
             <a:r>
               <a:rPr lang="en-GB" dirty="0"/>
-              <a:t>For example, a 32-register with 32-bit three-ported register file</a:t>
+              <a:t>For example, a 32-register (N=5) with 32-bit (M=32) three-ported register file</a:t>
             </a:r>
           </a:p>
           <a:p>
             <a:pPr lvl="1"/>
             <a:r>
               <a:rPr lang="en-GB" dirty="0"/>
-              <a:t>two read ports (A1/RD1 and A2/RD2) </a:t>
+              <a:t>two read ports (A1-&gt;RD1 and A2-&gt;RD2) </a:t>
             </a:r>
           </a:p>
           <a:p>
             <a:pPr lvl="1"/>
             <a:r>
               <a:rPr lang="en-GB" dirty="0"/>
-              <a:t>one write port (A3/WD3)</a:t>
+              <a:t>one write port (A3-&gt;WD3)</a:t>
             </a:r>
           </a:p>
           <a:p>
@@ -13900,10 +13487,10 @@
       </p:sp>
       <p:pic>
         <p:nvPicPr>
-          <p:cNvPr id="3" name="Immagine 2">
+          <p:cNvPr id="4" name="Immagine 3" descr="Immagine che contiene diagramma, testo, calligrafia, linea&#10;&#10;Descrizione generata automaticamente">
             <a:extLst>
               <a:ext uri="{FF2B5EF4-FFF2-40B4-BE49-F238E27FC236}">
-                <a16:creationId xmlns:a16="http://schemas.microsoft.com/office/drawing/2014/main" id="{3A5C5A95-EEA4-B47B-BDF1-E175B8A1AEB6}"/>
+                <a16:creationId xmlns:a16="http://schemas.microsoft.com/office/drawing/2014/main" id="{692E3EDC-5E90-23B6-979C-F35A8277A87A}"/>
               </a:ext>
             </a:extLst>
           </p:cNvPr>
@@ -13912,15 +13499,16 @@
           </p:cNvPicPr>
           <p:nvPr/>
         </p:nvPicPr>
-        <p:blipFill rotWithShape="1">
+        <p:blipFill>
           <a:blip r:embed="rId3"/>
-          <a:srcRect t="4660"/>
-          <a:stretch/>
+          <a:stretch>
+            <a:fillRect/>
+          </a:stretch>
         </p:blipFill>
         <p:spPr>
           <a:xfrm>
-            <a:off x="7110377" y="3230088"/>
-            <a:ext cx="1721923" cy="1231263"/>
+            <a:off x="6413500" y="421233"/>
+            <a:ext cx="2730500" cy="2616200"/>
           </a:xfrm>
           <a:prstGeom prst="rect">
             <a:avLst/>
@@ -14156,10 +13744,10 @@
       </p:sp>
       <p:pic>
         <p:nvPicPr>
-          <p:cNvPr id="3" name="Immagine 2">
+          <p:cNvPr id="4" name="Immagine 3" descr="Immagine che contiene testo, diagramma, linea, Carattere&#10;&#10;Descrizione generata automaticamente">
             <a:extLst>
               <a:ext uri="{FF2B5EF4-FFF2-40B4-BE49-F238E27FC236}">
-                <a16:creationId xmlns:a16="http://schemas.microsoft.com/office/drawing/2014/main" id="{88E2D47E-C294-8CBA-4915-16C21E6F4EC2}"/>
+                <a16:creationId xmlns:a16="http://schemas.microsoft.com/office/drawing/2014/main" id="{454843EE-FA35-DD59-ADC4-1E0148813B84}"/>
               </a:ext>
             </a:extLst>
           </p:cNvPr>
@@ -14168,15 +13756,16 @@
           </p:cNvPicPr>
           <p:nvPr/>
         </p:nvPicPr>
-        <p:blipFill rotWithShape="1">
+        <p:blipFill>
           <a:blip r:embed="rId3"/>
-          <a:srcRect t="11039"/>
-          <a:stretch/>
+          <a:stretch>
+            <a:fillRect/>
+          </a:stretch>
         </p:blipFill>
         <p:spPr>
           <a:xfrm>
-            <a:off x="6957731" y="1019088"/>
-            <a:ext cx="1633518" cy="1062648"/>
+            <a:off x="6820647" y="339331"/>
+            <a:ext cx="2323353" cy="3481342"/>
           </a:xfrm>
           <a:prstGeom prst="rect">
             <a:avLst/>
@@ -14185,10 +13774,10 @@
       </p:pic>
       <p:pic>
         <p:nvPicPr>
-          <p:cNvPr id="5" name="Immagine 4">
+          <p:cNvPr id="8" name="Immagine 7" descr="Immagine che contiene testo, Carattere, numero, diagramma&#10;&#10;Descrizione generata automaticamente">
             <a:extLst>
               <a:ext uri="{FF2B5EF4-FFF2-40B4-BE49-F238E27FC236}">
-                <a16:creationId xmlns:a16="http://schemas.microsoft.com/office/drawing/2014/main" id="{9F5A6219-AD0A-F5A7-BFE8-F143C8780D7B}"/>
+                <a16:creationId xmlns:a16="http://schemas.microsoft.com/office/drawing/2014/main" id="{9AA279E0-6E48-D80C-B4AA-4D30827CB96A}"/>
               </a:ext>
             </a:extLst>
           </p:cNvPr>
@@ -14205,8 +13794,8 @@
         </p:blipFill>
         <p:spPr>
           <a:xfrm>
-            <a:off x="7064016" y="2376802"/>
-            <a:ext cx="1491608" cy="1062649"/>
+            <a:off x="1295026" y="4238087"/>
+            <a:ext cx="2644962" cy="1576181"/>
           </a:xfrm>
           <a:prstGeom prst="rect">
             <a:avLst/>
@@ -14215,10 +13804,10 @@
       </p:pic>
       <p:pic>
         <p:nvPicPr>
-          <p:cNvPr id="7" name="Immagine 6">
+          <p:cNvPr id="11" name="Immagine 10" descr="Immagine che contiene diagramma, linea, Parallelo, design&#10;&#10;Descrizione generata automaticamente">
             <a:extLst>
               <a:ext uri="{FF2B5EF4-FFF2-40B4-BE49-F238E27FC236}">
-                <a16:creationId xmlns:a16="http://schemas.microsoft.com/office/drawing/2014/main" id="{1CC56025-75A9-DA72-FC5B-5920A392F5DE}"/>
+                <a16:creationId xmlns:a16="http://schemas.microsoft.com/office/drawing/2014/main" id="{C163323E-FAD2-966F-70FE-7DEB1EFB40EB}"/>
               </a:ext>
             </a:extLst>
           </p:cNvPr>
@@ -14235,38 +13824,8 @@
         </p:blipFill>
         <p:spPr>
           <a:xfrm>
-            <a:off x="1879674" y="4421325"/>
-            <a:ext cx="1955800" cy="1600200"/>
-          </a:xfrm>
-          <a:prstGeom prst="rect">
-            <a:avLst/>
-          </a:prstGeom>
-        </p:spPr>
-      </p:pic>
-      <p:pic>
-        <p:nvPicPr>
-          <p:cNvPr id="9" name="Immagine 8">
-            <a:extLst>
-              <a:ext uri="{FF2B5EF4-FFF2-40B4-BE49-F238E27FC236}">
-                <a16:creationId xmlns:a16="http://schemas.microsoft.com/office/drawing/2014/main" id="{FA7AA7A4-ACEC-ED70-F758-102DBF041C8E}"/>
-              </a:ext>
-            </a:extLst>
-          </p:cNvPr>
-          <p:cNvPicPr>
-            <a:picLocks noChangeAspect="1"/>
-          </p:cNvPicPr>
-          <p:nvPr/>
-        </p:nvPicPr>
-        <p:blipFill>
-          <a:blip r:embed="rId6"/>
-          <a:stretch>
-            <a:fillRect/>
-          </a:stretch>
-        </p:blipFill>
-        <p:spPr>
-          <a:xfrm>
-            <a:off x="4040277" y="4077801"/>
-            <a:ext cx="2780370" cy="2287248"/>
+            <a:off x="4134656" y="3988326"/>
+            <a:ext cx="3285313" cy="2698903"/>
           </a:xfrm>
           <a:prstGeom prst="rect">
             <a:avLst/>
@@ -14357,8 +13916,8 @@
         </p:nvSpPr>
         <p:spPr>
           <a:xfrm>
-            <a:off x="162750" y="1113924"/>
-            <a:ext cx="8818500" cy="5100000"/>
+            <a:off x="0" y="1113924"/>
+            <a:ext cx="8981250" cy="5100000"/>
           </a:xfrm>
           <a:prstGeom prst="rect">
             <a:avLst/>
@@ -14385,77 +13944,56 @@
             </a:r>
             <a:r>
               <a:rPr lang="en-GB" b="1" dirty="0"/>
-              <a:t>way to </a:t>
+              <a:t>way to connect or disconnect </a:t>
+            </a:r>
+            <a:r>
+              <a:rPr lang="en-GB" dirty="0"/>
+              <a:t>the transistor to ground</a:t>
+            </a:r>
+          </a:p>
+          <a:p>
+            <a:r>
+              <a:rPr lang="en-GB" dirty="0"/>
+              <a:t>User programs the ROM by applying a high voltage </a:t>
             </a:r>
             <a:br>
-              <a:rPr lang="en-GB" b="1" dirty="0"/>
+              <a:rPr lang="en-GB" dirty="0"/>
             </a:br>
             <a:r>
-              <a:rPr lang="en-GB" b="1" dirty="0"/>
-              <a:t>connect or disconnect </a:t>
-            </a:r>
-            <a:r>
-              <a:rPr lang="en-GB" dirty="0"/>
-              <a:t>the transistor to ground</a:t>
-            </a:r>
-          </a:p>
-          <a:p>
-            <a:pPr lvl="0"/>
-            <a:endParaRPr lang="en-GB" dirty="0"/>
-          </a:p>
-          <a:p>
-            <a:pPr lvl="0"/>
-            <a:endParaRPr lang="en-GB" dirty="0"/>
-          </a:p>
-          <a:p>
-            <a:pPr lvl="0"/>
-            <a:endParaRPr lang="en-GB" dirty="0"/>
-          </a:p>
-          <a:p>
-            <a:pPr lvl="0"/>
-            <a:endParaRPr lang="en-GB" dirty="0"/>
-          </a:p>
-          <a:p>
-            <a:pPr lvl="0"/>
-            <a:endParaRPr lang="en-GB" dirty="0"/>
-          </a:p>
-          <a:p>
-            <a:pPr lvl="0"/>
-            <a:endParaRPr lang="en-GB" dirty="0"/>
-          </a:p>
-          <a:p>
-            <a:r>
-              <a:rPr lang="en-GB" dirty="0"/>
-              <a:t>User programs the ROM by applying a high voltage to selectively </a:t>
+              <a:rPr lang="en-GB" dirty="0"/>
+              <a:t>to selectively blow fuses</a:t>
+            </a:r>
+          </a:p>
+          <a:p>
+            <a:pPr lvl="1"/>
+            <a:r>
+              <a:rPr lang="en-GB" dirty="0"/>
+              <a:t>if the fuse is present, transistor is connected to GND </a:t>
             </a:r>
             <a:br>
               <a:rPr lang="en-GB" dirty="0"/>
             </a:br>
             <a:r>
               <a:rPr lang="en-GB" dirty="0"/>
-              <a:t>blow fuses</a:t>
+              <a:t>and the cell holds 0</a:t>
             </a:r>
           </a:p>
           <a:p>
             <a:pPr lvl="1"/>
             <a:r>
               <a:rPr lang="en-GB" dirty="0"/>
-              <a:t>if the fuse is present, transistor is connected to GND and the cell </a:t>
+              <a:t>if the fuse is destroyed, transistor is disconnected </a:t>
             </a:r>
             <a:br>
               <a:rPr lang="en-GB" dirty="0"/>
             </a:br>
             <a:r>
               <a:rPr lang="en-GB" dirty="0"/>
-              <a:t>holds 0</a:t>
+              <a:t>from ground and the cell holds 1 </a:t>
             </a:r>
           </a:p>
           <a:p>
             <a:pPr lvl="1"/>
-            <a:r>
-              <a:rPr lang="en-GB" dirty="0"/>
-              <a:t>if the fuse is destroyed, transistor is disconnected from ground and the cell holds 1 </a:t>
-            </a:r>
             <a:endParaRPr lang="en-GB" b="1" dirty="0"/>
           </a:p>
           <a:p>
@@ -14473,6 +14011,27 @@
           </a:p>
           <a:p>
             <a:pPr lvl="1"/>
+            <a:r>
+              <a:rPr lang="en-GB" dirty="0"/>
+              <a:t>The process id called </a:t>
+            </a:r>
+            <a:r>
+              <a:rPr lang="en-GB" b="1" dirty="0"/>
+              <a:t>burning</a:t>
+            </a:r>
+            <a:r>
+              <a:rPr lang="en-GB" dirty="0"/>
+              <a:t> a ROM</a:t>
+            </a:r>
+          </a:p>
+          <a:p>
+            <a:pPr marL="590550" lvl="1" indent="0">
+              <a:buNone/>
+            </a:pPr>
+            <a:endParaRPr lang="en-GB" sz="500" dirty="0"/>
+          </a:p>
+          <a:p>
+            <a:pPr lvl="1"/>
             <a:endParaRPr lang="en-GB" sz="500" dirty="0"/>
           </a:p>
           <a:p>
@@ -14486,7 +14045,14 @@
             </a:r>
             <a:r>
               <a:rPr lang="en-GB" dirty="0"/>
-              <a:t>for connecting or disconnecting the transistor</a:t>
+              <a:t>for connecting or disconnecting </a:t>
+            </a:r>
+            <a:br>
+              <a:rPr lang="en-GB" dirty="0"/>
+            </a:br>
+            <a:r>
+              <a:rPr lang="en-GB" dirty="0"/>
+              <a:t>the transistor</a:t>
             </a:r>
           </a:p>
           <a:p>
@@ -14496,10 +14062,10 @@
       </p:sp>
       <p:pic>
         <p:nvPicPr>
-          <p:cNvPr id="3" name="Immagine 2">
+          <p:cNvPr id="4" name="Immagine 3" descr="Immagine che contiene testo, diagramma, linea, Piano&#10;&#10;Descrizione generata automaticamente">
             <a:extLst>
               <a:ext uri="{FF2B5EF4-FFF2-40B4-BE49-F238E27FC236}">
-                <a16:creationId xmlns:a16="http://schemas.microsoft.com/office/drawing/2014/main" id="{5D791EAF-67A2-8D75-FB6E-3BBE24D75633}"/>
+                <a16:creationId xmlns:a16="http://schemas.microsoft.com/office/drawing/2014/main" id="{F00B1F2A-88B4-0D64-1843-157227B77D9E}"/>
               </a:ext>
             </a:extLst>
           </p:cNvPr>
@@ -14516,8 +14082,8 @@
         </p:blipFill>
         <p:spPr>
           <a:xfrm>
-            <a:off x="1687978" y="2055531"/>
-            <a:ext cx="1841500" cy="1397000"/>
+            <a:off x="5982788" y="1453653"/>
+            <a:ext cx="3161211" cy="3184627"/>
           </a:xfrm>
           <a:prstGeom prst="rect">
             <a:avLst/>
@@ -14526,10 +14092,10 @@
       </p:pic>
       <p:pic>
         <p:nvPicPr>
-          <p:cNvPr id="5" name="Immagine 4">
+          <p:cNvPr id="10" name="Immagine 9" descr="Immagine che contiene testo, libro, bianco e nero, monocromatico&#10;&#10;Descrizione generata automaticamente">
             <a:extLst>
               <a:ext uri="{FF2B5EF4-FFF2-40B4-BE49-F238E27FC236}">
-                <a16:creationId xmlns:a16="http://schemas.microsoft.com/office/drawing/2014/main" id="{36FC7BEF-9F15-908F-3468-301B75272A6B}"/>
+                <a16:creationId xmlns:a16="http://schemas.microsoft.com/office/drawing/2014/main" id="{6615E824-DBB6-BBDB-E306-6F22CE39B903}"/>
               </a:ext>
             </a:extLst>
           </p:cNvPr>
@@ -14546,38 +14112,8 @@
         </p:blipFill>
         <p:spPr>
           <a:xfrm>
-            <a:off x="4032356" y="2001370"/>
-            <a:ext cx="2044700" cy="1409700"/>
-          </a:xfrm>
-          <a:prstGeom prst="rect">
-            <a:avLst/>
-          </a:prstGeom>
-        </p:spPr>
-      </p:pic>
-      <p:pic>
-        <p:nvPicPr>
-          <p:cNvPr id="6" name="Immagine 5">
-            <a:extLst>
-              <a:ext uri="{FF2B5EF4-FFF2-40B4-BE49-F238E27FC236}">
-                <a16:creationId xmlns:a16="http://schemas.microsoft.com/office/drawing/2014/main" id="{E8D03292-256D-DAC4-0DAD-A886AF5BE460}"/>
-              </a:ext>
-            </a:extLst>
-          </p:cNvPr>
-          <p:cNvPicPr>
-            <a:picLocks noChangeAspect="1"/>
-          </p:cNvPicPr>
-          <p:nvPr/>
-        </p:nvPicPr>
-        <p:blipFill>
-          <a:blip r:embed="rId5"/>
-          <a:stretch>
-            <a:fillRect/>
-          </a:stretch>
-        </p:blipFill>
-        <p:spPr>
-          <a:xfrm>
-            <a:off x="7362624" y="317127"/>
-            <a:ext cx="1618626" cy="4509030"/>
+            <a:off x="7785121" y="4795516"/>
+            <a:ext cx="1047179" cy="1641251"/>
           </a:xfrm>
           <a:prstGeom prst="rect">
             <a:avLst/>
@@ -14904,21 +14440,7 @@
             <a:pPr lvl="2"/>
             <a:r>
               <a:rPr lang="en-GB" dirty="0"/>
-              <a:t>when high voltages are applied, electrons tunnel  through an </a:t>
-            </a:r>
-            <a:br>
-              <a:rPr lang="en-GB" dirty="0"/>
-            </a:br>
-            <a:r>
-              <a:rPr lang="en-GB" dirty="0"/>
-              <a:t>insulator onto the floating gate, turning on the  transistor and </a:t>
-            </a:r>
-            <a:br>
-              <a:rPr lang="en-GB" dirty="0"/>
-            </a:br>
-            <a:r>
-              <a:rPr lang="en-GB" dirty="0"/>
-              <a:t>connecting the </a:t>
+              <a:t>when high voltages are applied, electrons tunnel  through an insulator onto the floating gate, turning on the  transistor and  connecting the </a:t>
             </a:r>
             <a:r>
               <a:rPr lang="en-GB" dirty="0" err="1"/>
@@ -14938,14 +14460,7 @@
             <a:pPr lvl="2"/>
             <a:r>
               <a:rPr lang="en-GB" dirty="0"/>
-              <a:t>when exposed to ultraviolet light (half an hour),  the  electrons </a:t>
-            </a:r>
-            <a:br>
-              <a:rPr lang="en-GB" dirty="0"/>
-            </a:br>
-            <a:r>
-              <a:rPr lang="en-GB" dirty="0"/>
-              <a:t>are knocked off the floating  gate, turning the  transistor off</a:t>
+              <a:t>when exposed to ultraviolet light (half an hour),  the  electrons are knocked off the floating  gate, turning the  transistor off</a:t>
             </a:r>
           </a:p>
           <a:p>
@@ -14990,14 +14505,7 @@
             <a:pPr lvl="1"/>
             <a:r>
               <a:rPr lang="en-GB" dirty="0"/>
-              <a:t>use similar principles but include circuitry for erasing and </a:t>
-            </a:r>
-            <a:br>
-              <a:rPr lang="en-GB" dirty="0"/>
-            </a:br>
-            <a:r>
-              <a:rPr lang="en-GB" dirty="0"/>
-              <a:t>programming</a:t>
+              <a:t>use similar principles but include circuitry for erasing and  programming</a:t>
             </a:r>
           </a:p>
           <a:p>
@@ -15068,10 +14576,10 @@
       </p:sp>
       <p:pic>
         <p:nvPicPr>
-          <p:cNvPr id="3" name="Immagine 2">
+          <p:cNvPr id="4" name="Immagine 3" descr="Immagine che contiene Viso umano, testo, uomo, persona&#10;&#10;Descrizione generata automaticamente">
             <a:extLst>
               <a:ext uri="{FF2B5EF4-FFF2-40B4-BE49-F238E27FC236}">
-                <a16:creationId xmlns:a16="http://schemas.microsoft.com/office/drawing/2014/main" id="{52A587A0-B168-5526-1C02-7B248A2FBA44}"/>
+                <a16:creationId xmlns:a16="http://schemas.microsoft.com/office/drawing/2014/main" id="{4675D4D2-DBEA-E414-1F64-CF403AA33232}"/>
               </a:ext>
             </a:extLst>
           </p:cNvPr>
@@ -15088,8 +14596,8 @@
         </p:blipFill>
         <p:spPr>
           <a:xfrm>
-            <a:off x="7305105" y="112432"/>
-            <a:ext cx="1750619" cy="4984003"/>
+            <a:off x="5090997" y="195799"/>
+            <a:ext cx="4039203" cy="1130977"/>
           </a:xfrm>
           <a:prstGeom prst="rect">
             <a:avLst/>
@@ -15126,36 +14634,6 @@
           <a:chExt cx="0" cy="0"/>
         </a:xfrm>
       </p:grpSpPr>
-      <p:pic>
-        <p:nvPicPr>
-          <p:cNvPr id="3" name="Immagine 2">
-            <a:extLst>
-              <a:ext uri="{FF2B5EF4-FFF2-40B4-BE49-F238E27FC236}">
-                <a16:creationId xmlns:a16="http://schemas.microsoft.com/office/drawing/2014/main" id="{B3C0CF4B-0AF9-B9A4-228C-1654DE4C6128}"/>
-              </a:ext>
-            </a:extLst>
-          </p:cNvPr>
-          <p:cNvPicPr>
-            <a:picLocks noChangeAspect="1"/>
-          </p:cNvPicPr>
-          <p:nvPr/>
-        </p:nvPicPr>
-        <p:blipFill>
-          <a:blip r:embed="rId3"/>
-          <a:stretch>
-            <a:fillRect/>
-          </a:stretch>
-        </p:blipFill>
-        <p:spPr>
-          <a:xfrm>
-            <a:off x="5641150" y="62098"/>
-            <a:ext cx="3340100" cy="2857500"/>
-          </a:xfrm>
-          <a:prstGeom prst="rect">
-            <a:avLst/>
-          </a:prstGeom>
-        </p:spPr>
-      </p:pic>
       <p:sp>
         <p:nvSpPr>
           <p:cNvPr id="83" name="Google Shape;83;p14"/>
@@ -15226,14 +14704,11 @@
             <a:pPr lvl="0"/>
             <a:r>
               <a:rPr lang="en-GB" dirty="0"/>
-              <a:t>Memory arrays can also perform combinational </a:t>
-            </a:r>
-            <a:br>
-              <a:rPr lang="en-GB" dirty="0"/>
-            </a:br>
-            <a:r>
-              <a:rPr lang="en-GB" dirty="0"/>
-              <a:t>logic functions</a:t>
+              <a:t>Memory arrays can also </a:t>
+            </a:r>
+            <a:r>
+              <a:rPr lang="en-GB" b="1" dirty="0"/>
+              <a:t>perform combinational logic functions</a:t>
             </a:r>
           </a:p>
           <a:p>
@@ -15263,9 +14738,6 @@
               <a:rPr lang="en-GB" dirty="0"/>
               <a:t>Data0 is the NOR of the two inputs</a:t>
             </a:r>
-          </a:p>
-          <a:p>
-            <a:pPr lvl="2"/>
             <a:endParaRPr lang="en-GB" sz="300" dirty="0"/>
           </a:p>
           <a:p>
@@ -15283,12 +14755,15 @@
             </a:r>
           </a:p>
           <a:p>
+            <a:pPr marL="120650" indent="0">
+              <a:buNone/>
+            </a:pPr>
             <a:endParaRPr lang="en-GB" dirty="0"/>
           </a:p>
           <a:p>
             <a:r>
               <a:rPr lang="en-GB" dirty="0"/>
-              <a:t>The following figure shows a LUT (4-word × -bit) </a:t>
+              <a:t>The following figure shows a LUT (4-word × -bit)  </a:t>
             </a:r>
             <a:br>
               <a:rPr lang="en-GB" dirty="0"/>
@@ -15309,10 +14784,40 @@
       </p:sp>
       <p:pic>
         <p:nvPicPr>
-          <p:cNvPr id="9" name="Immagine 8">
+          <p:cNvPr id="4" name="Immagine 3" descr="Immagine che contiene linea, schermata, numero, diagramma&#10;&#10;Descrizione generata automaticamente">
             <a:extLst>
               <a:ext uri="{FF2B5EF4-FFF2-40B4-BE49-F238E27FC236}">
-                <a16:creationId xmlns:a16="http://schemas.microsoft.com/office/drawing/2014/main" id="{E496E6F2-2C3C-1F33-D17C-5E672751AF0A}"/>
+                <a16:creationId xmlns:a16="http://schemas.microsoft.com/office/drawing/2014/main" id="{02E14479-FA77-891D-0B19-60509F5C782A}"/>
+              </a:ext>
+            </a:extLst>
+          </p:cNvPr>
+          <p:cNvPicPr>
+            <a:picLocks noChangeAspect="1"/>
+          </p:cNvPicPr>
+          <p:nvPr/>
+        </p:nvPicPr>
+        <p:blipFill>
+          <a:blip r:embed="rId3"/>
+          <a:stretch>
+            <a:fillRect/>
+          </a:stretch>
+        </p:blipFill>
+        <p:spPr>
+          <a:xfrm>
+            <a:off x="4146179" y="4549905"/>
+            <a:ext cx="1340827" cy="1752298"/>
+          </a:xfrm>
+          <a:prstGeom prst="rect">
+            <a:avLst/>
+          </a:prstGeom>
+        </p:spPr>
+      </p:pic>
+      <p:pic>
+        <p:nvPicPr>
+          <p:cNvPr id="6" name="Immagine 5" descr="Immagine che contiene testo, diagramma, linea, Piano&#10;&#10;Descrizione generata automaticamente">
+            <a:extLst>
+              <a:ext uri="{FF2B5EF4-FFF2-40B4-BE49-F238E27FC236}">
+                <a16:creationId xmlns:a16="http://schemas.microsoft.com/office/drawing/2014/main" id="{D45897C7-9286-C5DF-83CE-49EAB2333300}"/>
               </a:ext>
             </a:extLst>
           </p:cNvPr>
@@ -15329,38 +14834,8 @@
         </p:blipFill>
         <p:spPr>
           <a:xfrm>
-            <a:off x="4858498" y="4798467"/>
-            <a:ext cx="1282700" cy="1638300"/>
-          </a:xfrm>
-          <a:prstGeom prst="rect">
-            <a:avLst/>
-          </a:prstGeom>
-        </p:spPr>
-      </p:pic>
-      <p:pic>
-        <p:nvPicPr>
-          <p:cNvPr id="11" name="Immagine 10">
-            <a:extLst>
-              <a:ext uri="{FF2B5EF4-FFF2-40B4-BE49-F238E27FC236}">
-                <a16:creationId xmlns:a16="http://schemas.microsoft.com/office/drawing/2014/main" id="{82279350-27BD-9794-8F69-53417F2441A1}"/>
-              </a:ext>
-            </a:extLst>
-          </p:cNvPr>
-          <p:cNvPicPr>
-            <a:picLocks noChangeAspect="1"/>
-          </p:cNvPicPr>
-          <p:nvPr/>
-        </p:nvPicPr>
-        <p:blipFill>
-          <a:blip r:embed="rId5"/>
-          <a:stretch>
-            <a:fillRect/>
-          </a:stretch>
-        </p:blipFill>
-        <p:spPr>
-          <a:xfrm>
-            <a:off x="6327027" y="3938403"/>
-            <a:ext cx="2347370" cy="2721735"/>
+            <a:off x="5902478" y="3956538"/>
+            <a:ext cx="2337378" cy="2708031"/>
           </a:xfrm>
           <a:prstGeom prst="rect">
             <a:avLst/>
@@ -15467,7 +14942,11 @@
             <a:pPr lvl="0"/>
             <a:r>
               <a:rPr lang="en-GB" dirty="0"/>
-              <a:t>Like memory, gates can be organized into regular arrays </a:t>
+              <a:t>Like memory, gates can be </a:t>
+            </a:r>
+            <a:r>
+              <a:rPr lang="en-GB" b="1" dirty="0"/>
+              <a:t>organized into regular arrays </a:t>
             </a:r>
           </a:p>
           <a:p>
@@ -15511,9 +14990,6 @@
               <a:rPr lang="en-GB" dirty="0"/>
               <a:t> together to form the outputs</a:t>
             </a:r>
-          </a:p>
-          <a:p>
-            <a:pPr lvl="1"/>
             <a:endParaRPr lang="en-GB" sz="500" dirty="0"/>
           </a:p>
           <a:p>
@@ -15530,10 +15006,10 @@
       </p:sp>
       <p:pic>
         <p:nvPicPr>
-          <p:cNvPr id="3" name="Immagine 2">
+          <p:cNvPr id="4" name="Immagine 3" descr="Immagine che contiene testo, diagramma, linea, calligrafia&#10;&#10;Descrizione generata automaticamente">
             <a:extLst>
               <a:ext uri="{FF2B5EF4-FFF2-40B4-BE49-F238E27FC236}">
-                <a16:creationId xmlns:a16="http://schemas.microsoft.com/office/drawing/2014/main" id="{41F0F246-98CE-04D9-5C0B-41926F0C35D6}"/>
+                <a16:creationId xmlns:a16="http://schemas.microsoft.com/office/drawing/2014/main" id="{11610FC4-A78B-766A-0C5D-2DE7B08762FE}"/>
               </a:ext>
             </a:extLst>
           </p:cNvPr>
@@ -15550,8 +15026,8 @@
         </p:blipFill>
         <p:spPr>
           <a:xfrm>
-            <a:off x="2125755" y="4276306"/>
-            <a:ext cx="4367392" cy="2205035"/>
+            <a:off x="2584936" y="4043892"/>
+            <a:ext cx="3991707" cy="2580120"/>
           </a:xfrm>
           <a:prstGeom prst="rect">
             <a:avLst/>
@@ -15658,36 +15134,9 @@
             <a:pPr lvl="0"/>
             <a:r>
               <a:rPr lang="en-GB" dirty="0"/>
-              <a:t>The following figure shows the a 3×3×2-bit PLA performing functions X = </a:t>
-            </a:r>
-            <a:r>
-              <a:rPr lang="en-GB" u="sng" dirty="0"/>
-              <a:t>A</a:t>
-            </a:r>
-            <a:r>
-              <a:rPr lang="en-GB" dirty="0"/>
-              <a:t> </a:t>
-            </a:r>
-            <a:r>
-              <a:rPr lang="en-GB" u="sng" dirty="0"/>
-              <a:t>B</a:t>
-            </a:r>
-            <a:r>
-              <a:rPr lang="en-GB" dirty="0"/>
-              <a:t> C + A B </a:t>
-            </a:r>
-            <a:r>
-              <a:rPr lang="en-GB" u="sng" dirty="0"/>
-              <a:t>C</a:t>
-            </a:r>
-            <a:r>
-              <a:rPr lang="en-GB" dirty="0"/>
-              <a:t> and Y = A </a:t>
-            </a:r>
-            <a:r>
-              <a:rPr lang="en-GB" u="sng" dirty="0"/>
-              <a:t>B</a:t>
-            </a:r>
+              <a:t>Example:</a:t>
+            </a:r>
+            <a:endParaRPr lang="en-GB" u="sng" dirty="0"/>
           </a:p>
           <a:p>
             <a:pPr lvl="0"/>
@@ -15725,7 +15174,7 @@
             <a:pPr marL="120650" lvl="0" indent="0">
               <a:buNone/>
             </a:pPr>
-            <a:endParaRPr lang="en-GB" dirty="0"/>
+            <a:endParaRPr lang="en-GB" sz="1800" dirty="0"/>
           </a:p>
           <a:p>
             <a:pPr lvl="0"/>
@@ -15798,10 +15247,10 @@
       </p:sp>
       <p:pic>
         <p:nvPicPr>
-          <p:cNvPr id="2" name="Immagine 1">
+          <p:cNvPr id="5" name="Immagine 4" descr="Immagine che contiene Carattere, testo, bianco, tipografia&#10;&#10;Descrizione generata automaticamente">
             <a:extLst>
               <a:ext uri="{FF2B5EF4-FFF2-40B4-BE49-F238E27FC236}">
-                <a16:creationId xmlns:a16="http://schemas.microsoft.com/office/drawing/2014/main" id="{2CF0033A-C49C-708E-3E05-EC6F0EAA0964}"/>
+                <a16:creationId xmlns:a16="http://schemas.microsoft.com/office/drawing/2014/main" id="{FBADA169-2A82-BF41-4698-1E17CFF484D1}"/>
               </a:ext>
             </a:extLst>
           </p:cNvPr>
@@ -15818,8 +15267,8 @@
         </p:blipFill>
         <p:spPr>
           <a:xfrm>
-            <a:off x="400728" y="1811559"/>
-            <a:ext cx="4256786" cy="2451160"/>
+            <a:off x="636681" y="1575324"/>
+            <a:ext cx="1346200" cy="558800"/>
           </a:xfrm>
           <a:prstGeom prst="rect">
             <a:avLst/>
@@ -15828,10 +15277,10 @@
       </p:pic>
       <p:pic>
         <p:nvPicPr>
-          <p:cNvPr id="4" name="Immagine 3">
+          <p:cNvPr id="9" name="Immagine 8" descr="Immagine che contiene diagramma, linea, Piano, Disegno tecnico&#10;&#10;Descrizione generata automaticamente">
             <a:extLst>
               <a:ext uri="{FF2B5EF4-FFF2-40B4-BE49-F238E27FC236}">
-                <a16:creationId xmlns:a16="http://schemas.microsoft.com/office/drawing/2014/main" id="{5D3B7BF1-ACB7-2977-D0C9-BAA07746F571}"/>
+                <a16:creationId xmlns:a16="http://schemas.microsoft.com/office/drawing/2014/main" id="{F5D3C964-5CE0-9642-955F-E281A5B7FD55}"/>
               </a:ext>
             </a:extLst>
           </p:cNvPr>
@@ -15848,8 +15297,38 @@
         </p:blipFill>
         <p:spPr>
           <a:xfrm>
-            <a:off x="4882045" y="1690536"/>
-            <a:ext cx="4112652" cy="2585631"/>
+            <a:off x="2334262" y="1060171"/>
+            <a:ext cx="3331779" cy="2888993"/>
+          </a:xfrm>
+          <a:prstGeom prst="rect">
+            <a:avLst/>
+          </a:prstGeom>
+        </p:spPr>
+      </p:pic>
+      <p:pic>
+        <p:nvPicPr>
+          <p:cNvPr id="11" name="Immagine 10" descr="Immagine che contiene diagramma, testo, linea, Parallelo&#10;&#10;Descrizione generata automaticamente">
+            <a:extLst>
+              <a:ext uri="{FF2B5EF4-FFF2-40B4-BE49-F238E27FC236}">
+                <a16:creationId xmlns:a16="http://schemas.microsoft.com/office/drawing/2014/main" id="{F9BB2082-3483-0A2F-6D9A-D441E679ABD8}"/>
+              </a:ext>
+            </a:extLst>
+          </p:cNvPr>
+          <p:cNvPicPr>
+            <a:picLocks noChangeAspect="1"/>
+          </p:cNvPicPr>
+          <p:nvPr/>
+        </p:nvPicPr>
+        <p:blipFill>
+          <a:blip r:embed="rId5"/>
+          <a:stretch>
+            <a:fillRect/>
+          </a:stretch>
+        </p:blipFill>
+        <p:spPr>
+          <a:xfrm>
+            <a:off x="5967935" y="996267"/>
+            <a:ext cx="3013315" cy="2952897"/>
           </a:xfrm>
           <a:prstGeom prst="rect">
             <a:avLst/>
@@ -15940,7 +15419,7 @@
         </p:nvSpPr>
         <p:spPr>
           <a:xfrm>
-            <a:off x="162750" y="1212536"/>
+            <a:off x="162750" y="1043733"/>
             <a:ext cx="8818500" cy="5416863"/>
           </a:xfrm>
           <a:prstGeom prst="rect">
@@ -15967,14 +15446,18 @@
             <a:pPr lvl="1"/>
             <a:r>
               <a:rPr lang="en-GB" dirty="0"/>
-              <a:t>user can implement designs on the FPGA employing either </a:t>
+              <a:t>user can implement designs employing either an </a:t>
             </a:r>
             <a:br>
               <a:rPr lang="en-GB" dirty="0"/>
             </a:br>
             <a:r>
-              <a:rPr lang="en-GB" dirty="0"/>
-              <a:t>Hardware Description Language (HDL) or a schematic </a:t>
+              <a:rPr lang="en-GB" b="1" dirty="0"/>
+              <a:t>Hardware Description Language</a:t>
+            </a:r>
+            <a:r>
+              <a:rPr lang="en-GB" dirty="0"/>
+              <a:t> (HDL) or a schematic </a:t>
             </a:r>
           </a:p>
           <a:p>
@@ -16039,10 +15522,8 @@
             </a:br>
             <a:r>
               <a:rPr lang="en-GB" dirty="0"/>
-              <a:t>programmable routing channels.</a:t>
-            </a:r>
-          </a:p>
-          <a:p>
+              <a:t>programmable routing channels</a:t>
+            </a:r>
             <a:endParaRPr lang="en-GB" sz="1000" dirty="0"/>
           </a:p>
           <a:p>
@@ -16066,46 +15547,33 @@
             </a:r>
           </a:p>
           <a:p>
+            <a:r>
+              <a:rPr lang="en-GB" dirty="0"/>
+              <a:t>FPGAs are used on several consumer produces</a:t>
+            </a:r>
+          </a:p>
+          <a:p>
             <a:pPr lvl="1"/>
             <a:r>
               <a:rPr lang="en-GB" dirty="0"/>
-              <a:t>can integrate other useful features</a:t>
-            </a:r>
-          </a:p>
-          <a:p>
-            <a:pPr lvl="2"/>
-            <a:r>
-              <a:rPr lang="en-GB" dirty="0"/>
-              <a:t>built-in multipliers, high-speed I/</a:t>
-            </a:r>
-            <a:r>
-              <a:rPr lang="en-GB" dirty="0" err="1"/>
-              <a:t>Os</a:t>
-            </a:r>
-            <a:r>
-              <a:rPr lang="en-GB" dirty="0"/>
-              <a:t>, data converters,</a:t>
-            </a:r>
-            <a:br>
-              <a:rPr lang="en-GB" dirty="0"/>
-            </a:br>
-            <a:r>
-              <a:rPr lang="en-GB" dirty="0"/>
-              <a:t>large RAM arrays, and processors</a:t>
+              <a:t>Mercedes Benz S-Class has over a dozed on Xilinx FPGAs</a:t>
             </a:r>
           </a:p>
           <a:p>
             <a:pPr lvl="1"/>
-            <a:endParaRPr lang="en-GB" dirty="0"/>
+            <a:r>
+              <a:rPr lang="en-GB" dirty="0"/>
+              <a:t>quick time-to-market</a:t>
+            </a:r>
           </a:p>
         </p:txBody>
       </p:sp>
       <p:pic>
         <p:nvPicPr>
-          <p:cNvPr id="5" name="Immagine 4">
+          <p:cNvPr id="3" name="Immagine 2" descr="Immagine che contiene testo, schermata, Rettangolo, quadrato&#10;&#10;Descrizione generata automaticamente">
             <a:extLst>
               <a:ext uri="{FF2B5EF4-FFF2-40B4-BE49-F238E27FC236}">
-                <a16:creationId xmlns:a16="http://schemas.microsoft.com/office/drawing/2014/main" id="{5E1E1782-C6C8-8B17-DBAC-1A2684D3CC8E}"/>
+                <a16:creationId xmlns:a16="http://schemas.microsoft.com/office/drawing/2014/main" id="{DB10C530-1089-EDE3-18A8-B31E89AD4E6F}"/>
               </a:ext>
             </a:extLst>
           </p:cNvPr>
@@ -16122,38 +15590,8 @@
         </p:blipFill>
         <p:spPr>
           <a:xfrm>
-            <a:off x="6629775" y="1509552"/>
-            <a:ext cx="2165608" cy="2148777"/>
-          </a:xfrm>
-          <a:prstGeom prst="rect">
-            <a:avLst/>
-          </a:prstGeom>
-        </p:spPr>
-      </p:pic>
-      <p:pic>
-        <p:nvPicPr>
-          <p:cNvPr id="6" name="Immagine 5">
-            <a:extLst>
-              <a:ext uri="{FF2B5EF4-FFF2-40B4-BE49-F238E27FC236}">
-                <a16:creationId xmlns:a16="http://schemas.microsoft.com/office/drawing/2014/main" id="{64F51BD8-2D23-56F5-4FDE-58BEE8C4430B}"/>
-              </a:ext>
-            </a:extLst>
-          </p:cNvPr>
-          <p:cNvPicPr>
-            <a:picLocks noChangeAspect="1"/>
-          </p:cNvPicPr>
-          <p:nvPr/>
-        </p:nvPicPr>
-        <p:blipFill>
-          <a:blip r:embed="rId4"/>
-          <a:stretch>
-            <a:fillRect/>
-          </a:stretch>
-        </p:blipFill>
-        <p:spPr>
-          <a:xfrm>
-            <a:off x="7029346" y="3985067"/>
-            <a:ext cx="1802954" cy="2644332"/>
+            <a:off x="6438505" y="1212536"/>
+            <a:ext cx="2542745" cy="2216464"/>
           </a:xfrm>
           <a:prstGeom prst="rect">
             <a:avLst/>
@@ -16190,36 +15628,6 @@
           <a:chExt cx="0" cy="0"/>
         </a:xfrm>
       </p:grpSpPr>
-      <p:pic>
-        <p:nvPicPr>
-          <p:cNvPr id="4" name="Immagine 3">
-            <a:extLst>
-              <a:ext uri="{FF2B5EF4-FFF2-40B4-BE49-F238E27FC236}">
-                <a16:creationId xmlns:a16="http://schemas.microsoft.com/office/drawing/2014/main" id="{0FD8E0B7-788B-44F1-5320-AD56236E173D}"/>
-              </a:ext>
-            </a:extLst>
-          </p:cNvPr>
-          <p:cNvPicPr>
-            <a:picLocks noChangeAspect="1"/>
-          </p:cNvPicPr>
-          <p:nvPr/>
-        </p:nvPicPr>
-        <p:blipFill>
-          <a:blip r:embed="rId3"/>
-          <a:stretch>
-            <a:fillRect/>
-          </a:stretch>
-        </p:blipFill>
-        <p:spPr>
-          <a:xfrm>
-            <a:off x="4743450" y="1337030"/>
-            <a:ext cx="4400550" cy="3259667"/>
-          </a:xfrm>
-          <a:prstGeom prst="rect">
-            <a:avLst/>
-          </a:prstGeom>
-        </p:spPr>
-      </p:pic>
       <p:sp>
         <p:nvSpPr>
           <p:cNvPr id="83" name="Google Shape;83;p14"/>
@@ -16289,114 +15697,77 @@
           <a:p>
             <a:r>
               <a:rPr lang="en-GB" dirty="0"/>
-              <a:t>The following figure shows a single LE from Intel’s Cyclone IV FPGA</a:t>
-            </a:r>
-          </a:p>
-          <a:p>
-            <a:pPr lvl="1"/>
-            <a:r>
-              <a:rPr lang="en-GB" dirty="0"/>
-              <a:t>a 4-input lookup table (LUT) </a:t>
-            </a:r>
-          </a:p>
-          <a:p>
-            <a:pPr lvl="1"/>
-            <a:r>
-              <a:rPr lang="en-GB" dirty="0"/>
-              <a:t>a 1-bit register</a:t>
-            </a:r>
-          </a:p>
-          <a:p>
-            <a:pPr lvl="1"/>
-            <a:r>
-              <a:rPr lang="en-GB" dirty="0"/>
-              <a:t>configurable multiplexers to route </a:t>
-            </a:r>
-            <a:br>
-              <a:rPr lang="en-GB" dirty="0"/>
-            </a:br>
-            <a:r>
-              <a:rPr lang="en-GB" dirty="0"/>
-              <a:t>signals</a:t>
-            </a:r>
-          </a:p>
-          <a:p>
-            <a:r>
-              <a:rPr lang="en-GB" dirty="0"/>
-              <a:t>The FPGA is configured by</a:t>
-            </a:r>
-          </a:p>
-          <a:p>
-            <a:pPr lvl="1"/>
-            <a:r>
-              <a:rPr lang="en-GB" dirty="0"/>
-              <a:t>loading values into the LUT, it perform any </a:t>
-            </a:r>
-            <a:br>
-              <a:rPr lang="en-GB" dirty="0"/>
-            </a:br>
-            <a:r>
-              <a:rPr lang="en-GB" dirty="0"/>
-              <a:t>function of up to four variables</a:t>
-            </a:r>
-          </a:p>
-          <a:p>
-            <a:pPr lvl="1"/>
-            <a:r>
-              <a:rPr lang="en-GB" dirty="0"/>
-              <a:t>determining how the multiplexers route data </a:t>
-            </a:r>
-            <a:br>
-              <a:rPr lang="en-GB" dirty="0"/>
-            </a:br>
-            <a:r>
-              <a:rPr lang="en-GB" dirty="0"/>
-              <a:t>through the LE and to neighbouring LEs and IOEs</a:t>
-            </a:r>
-          </a:p>
-          <a:p>
-            <a:r>
-              <a:rPr lang="en-GB" dirty="0"/>
-              <a:t>For example</a:t>
-            </a:r>
-          </a:p>
-          <a:p>
-            <a:pPr lvl="1"/>
-            <a:r>
-              <a:rPr lang="en-GB" dirty="0"/>
-              <a:t>LUT may receive one input from either data 3 or the output of the LE register </a:t>
-            </a:r>
-          </a:p>
-          <a:p>
-            <a:pPr lvl="1"/>
-            <a:r>
-              <a:rPr lang="en-GB" dirty="0"/>
-              <a:t>other three inputs always come from data1, data2, and data4 </a:t>
-            </a:r>
-          </a:p>
-          <a:p>
-            <a:pPr lvl="1"/>
-            <a:r>
-              <a:rPr lang="en-GB" dirty="0"/>
-              <a:t>inputs come from IOEs or from the outputs of other LEs</a:t>
-            </a:r>
-          </a:p>
-          <a:p>
-            <a:pPr lvl="1"/>
-            <a:r>
-              <a:rPr lang="en-GB" dirty="0"/>
-              <a:t>LUT output either goes directly to the LE output or it can be fed through the flip-flop </a:t>
-            </a:r>
-          </a:p>
-          <a:p>
-            <a:pPr lvl="1"/>
-            <a:r>
-              <a:rPr lang="en-GB" dirty="0"/>
-              <a:t>flip-flop input comes from LUT output or the data 3 input or the register output of the previous LE</a:t>
-            </a:r>
+              <a:t>A single LE from Intel’s Cyclone IV FPGA</a:t>
+            </a:r>
+          </a:p>
+          <a:p>
+            <a:pPr marL="590550" lvl="1" indent="0">
+              <a:buNone/>
+            </a:pPr>
+            <a:endParaRPr lang="en-GB" dirty="0"/>
           </a:p>
         </p:txBody>
       </p:sp>
+      <p:pic>
+        <p:nvPicPr>
+          <p:cNvPr id="3" name="Immagine 2" descr="Immagine che contiene testo, diagramma, Piano, linea&#10;&#10;Descrizione generata automaticamente">
+            <a:extLst>
+              <a:ext uri="{FF2B5EF4-FFF2-40B4-BE49-F238E27FC236}">
+                <a16:creationId xmlns:a16="http://schemas.microsoft.com/office/drawing/2014/main" id="{BBB2DC54-CA9C-A7F6-A29C-1B126B500E75}"/>
+              </a:ext>
+            </a:extLst>
+          </p:cNvPr>
+          <p:cNvPicPr>
+            <a:picLocks noChangeAspect="1"/>
+          </p:cNvPicPr>
+          <p:nvPr/>
+        </p:nvPicPr>
+        <p:blipFill>
+          <a:blip r:embed="rId3"/>
+          <a:stretch>
+            <a:fillRect/>
+          </a:stretch>
+        </p:blipFill>
+        <p:spPr>
+          <a:xfrm>
+            <a:off x="154050" y="1540290"/>
+            <a:ext cx="8028632" cy="4704393"/>
+          </a:xfrm>
+          <a:prstGeom prst="rect">
+            <a:avLst/>
+          </a:prstGeom>
+        </p:spPr>
+      </p:pic>
+      <p:pic>
+        <p:nvPicPr>
+          <p:cNvPr id="5" name="Immagine 4" descr="Immagine che contiene testo, diagramma, Piano, linea&#10;&#10;Descrizione generata automaticamente">
+            <a:extLst>
+              <a:ext uri="{FF2B5EF4-FFF2-40B4-BE49-F238E27FC236}">
+                <a16:creationId xmlns:a16="http://schemas.microsoft.com/office/drawing/2014/main" id="{FEF74A06-8D5A-F939-A788-B9AF422298F7}"/>
+              </a:ext>
+            </a:extLst>
+          </p:cNvPr>
+          <p:cNvPicPr>
+            <a:picLocks noChangeAspect="1"/>
+          </p:cNvPicPr>
+          <p:nvPr/>
+        </p:nvPicPr>
+        <p:blipFill>
+          <a:blip r:embed="rId3"/>
+          <a:stretch>
+            <a:fillRect/>
+          </a:stretch>
+        </p:blipFill>
+        <p:spPr>
+          <a:xfrm>
+            <a:off x="0" y="1585551"/>
+            <a:ext cx="8028632" cy="4704393"/>
+          </a:xfrm>
+          <a:prstGeom prst="rect">
+            <a:avLst/>
+          </a:prstGeom>
+        </p:spPr>
+      </p:pic>
     </p:spTree>
     <p:extLst>
       <p:ext uri="{BB962C8B-B14F-4D97-AF65-F5344CB8AC3E}">
@@ -16523,7 +15894,7 @@
             <a:pPr lvl="1"/>
             <a:r>
               <a:rPr lang="en-GB" dirty="0"/>
-              <a:t> synthesis tool determines how the LUTs, multiplexers, and routing channels should be configured to perform the specified functions</a:t>
+              <a:t>synthesis tool determines how the LUTs, multiplexers, and routing channels should be configured to perform the specified functions</a:t>
             </a:r>
           </a:p>
           <a:p>
@@ -16569,368 +15940,6 @@
     <p:extLst>
       <p:ext uri="{BB962C8B-B14F-4D97-AF65-F5344CB8AC3E}">
         <p14:creationId xmlns:p14="http://schemas.microsoft.com/office/powerpoint/2010/main" val="3672496764"/>
-      </p:ext>
-    </p:extLst>
-  </p:cSld>
-  <p:clrMapOvr>
-    <a:masterClrMapping/>
-  </p:clrMapOvr>
-</p:sld>
-</file>
-
-<file path=ppt/slides/slide27.xml><?xml version="1.0" encoding="utf-8"?>
-<p:sld xmlns:a="http://schemas.openxmlformats.org/drawingml/2006/main" xmlns:r="http://schemas.openxmlformats.org/officeDocument/2006/relationships" xmlns:p="http://schemas.openxmlformats.org/presentationml/2006/main">
-  <p:cSld>
-    <p:spTree>
-      <p:nvGrpSpPr>
-        <p:cNvPr id="1" name="Shape 82"/>
-        <p:cNvGrpSpPr/>
-        <p:nvPr/>
-      </p:nvGrpSpPr>
-      <p:grpSpPr>
-        <a:xfrm>
-          <a:off x="0" y="0"/>
-          <a:ext cx="0" cy="0"/>
-          <a:chOff x="0" y="0"/>
-          <a:chExt cx="0" cy="0"/>
-        </a:xfrm>
-      </p:grpSpPr>
-      <p:sp>
-        <p:nvSpPr>
-          <p:cNvPr id="83" name="Google Shape;83;p14"/>
-          <p:cNvSpPr txBox="1">
-            <a:spLocks noGrp="1"/>
-          </p:cNvSpPr>
-          <p:nvPr>
-            <p:ph type="title" idx="4294967295"/>
-          </p:nvPr>
-        </p:nvSpPr>
-        <p:spPr>
-          <a:xfrm>
-            <a:off x="311700" y="421233"/>
-            <a:ext cx="8520600" cy="622500"/>
-          </a:xfrm>
-          <a:prstGeom prst="rect">
-            <a:avLst/>
-          </a:prstGeom>
-        </p:spPr>
-        <p:txBody>
-          <a:bodyPr spcFirstLastPara="1" wrap="square" lIns="91425" tIns="91425" rIns="91425" bIns="91425" anchor="b" anchorCtr="0">
-            <a:noAutofit/>
-          </a:bodyPr>
-          <a:lstStyle/>
-          <a:p>
-            <a:pPr marL="0" lvl="0" indent="0" algn="l" rtl="0">
-              <a:spcBef>
-                <a:spcPts val="0"/>
-              </a:spcBef>
-              <a:spcAft>
-                <a:spcPts val="0"/>
-              </a:spcAft>
-              <a:buNone/>
-            </a:pPr>
-            <a:r>
-              <a:rPr lang="en-GB" dirty="0"/>
-              <a:t>Exercises</a:t>
-            </a:r>
-            <a:endParaRPr dirty="0"/>
-          </a:p>
-        </p:txBody>
-      </p:sp>
-      <p:sp>
-        <p:nvSpPr>
-          <p:cNvPr id="84" name="Google Shape;84;p14"/>
-          <p:cNvSpPr txBox="1">
-            <a:spLocks noGrp="1"/>
-          </p:cNvSpPr>
-          <p:nvPr>
-            <p:ph type="body" idx="1"/>
-          </p:nvPr>
-        </p:nvSpPr>
-        <p:spPr>
-          <a:xfrm>
-            <a:off x="171450" y="963051"/>
-            <a:ext cx="8818500" cy="5679796"/>
-          </a:xfrm>
-          <a:prstGeom prst="rect">
-            <a:avLst/>
-          </a:prstGeom>
-        </p:spPr>
-        <p:txBody>
-          <a:bodyPr spcFirstLastPara="1" wrap="square" lIns="91425" tIns="91425" rIns="91425" bIns="91425" anchor="t" anchorCtr="0">
-            <a:noAutofit/>
-          </a:bodyPr>
-          <a:lstStyle/>
-          <a:p>
-            <a:r>
-              <a:rPr lang="en-GB" dirty="0"/>
-              <a:t>Ex1: </a:t>
-            </a:r>
-            <a:r>
-              <a:rPr lang="en-GB" b="1" dirty="0"/>
-              <a:t>Configure one or more Cyclone IV LE to perform the following functions X = </a:t>
-            </a:r>
-            <a:r>
-              <a:rPr lang="en-GB" b="1" u="sng" dirty="0"/>
-              <a:t>A</a:t>
-            </a:r>
-            <a:r>
-              <a:rPr lang="en-GB" b="1" dirty="0"/>
-              <a:t> </a:t>
-            </a:r>
-            <a:r>
-              <a:rPr lang="en-GB" b="1" u="sng" dirty="0"/>
-              <a:t>B</a:t>
-            </a:r>
-            <a:r>
-              <a:rPr lang="en-GB" b="1" dirty="0"/>
-              <a:t> C + A B </a:t>
-            </a:r>
-            <a:r>
-              <a:rPr lang="en-GB" b="1" u="sng" dirty="0"/>
-              <a:t>C</a:t>
-            </a:r>
-            <a:r>
-              <a:rPr lang="en-GB" b="1" dirty="0"/>
-              <a:t> and Y = A </a:t>
-            </a:r>
-            <a:r>
-              <a:rPr lang="en-GB" b="1" u="sng" dirty="0"/>
-              <a:t>B</a:t>
-            </a:r>
-            <a:r>
-              <a:rPr lang="en-GB" b="1" dirty="0"/>
-              <a:t> </a:t>
-            </a:r>
-          </a:p>
-          <a:p>
-            <a:r>
-              <a:rPr lang="en-GB" dirty="0"/>
-              <a:t>Solution</a:t>
-            </a:r>
-          </a:p>
-          <a:p>
-            <a:pPr lvl="1"/>
-            <a:r>
-              <a:rPr lang="en-GB" dirty="0"/>
-              <a:t>Two LEs (one computes X and the other computes Y</a:t>
-            </a:r>
-          </a:p>
-          <a:p>
-            <a:pPr lvl="2"/>
-            <a:r>
-              <a:rPr lang="en-GB" dirty="0"/>
-              <a:t>First LE</a:t>
-            </a:r>
-          </a:p>
-          <a:p>
-            <a:pPr lvl="3">
-              <a:lnSpc>
-                <a:spcPct val="100000"/>
-              </a:lnSpc>
-              <a:spcBef>
-                <a:spcPts val="600"/>
-              </a:spcBef>
-              <a:spcAft>
-                <a:spcPts val="600"/>
-              </a:spcAft>
-            </a:pPr>
-            <a:r>
-              <a:rPr lang="en-GB" dirty="0"/>
-              <a:t>inputs data1, data2, and data3 are A, B, and C </a:t>
-            </a:r>
-          </a:p>
-          <a:p>
-            <a:pPr lvl="3">
-              <a:lnSpc>
-                <a:spcPct val="100000"/>
-              </a:lnSpc>
-              <a:spcBef>
-                <a:spcPts val="600"/>
-              </a:spcBef>
-              <a:spcAft>
-                <a:spcPts val="600"/>
-              </a:spcAft>
-            </a:pPr>
-            <a:r>
-              <a:rPr lang="en-GB" dirty="0"/>
-              <a:t>data4 is a don’t care but must be tied to something, so it is tied to 0.</a:t>
-            </a:r>
-          </a:p>
-          <a:p>
-            <a:pPr lvl="2"/>
-            <a:r>
-              <a:rPr lang="en-GB" dirty="0"/>
-              <a:t>second LE</a:t>
-            </a:r>
-          </a:p>
-          <a:p>
-            <a:pPr lvl="3">
-              <a:lnSpc>
-                <a:spcPct val="100000"/>
-              </a:lnSpc>
-              <a:spcBef>
-                <a:spcPts val="600"/>
-              </a:spcBef>
-              <a:spcAft>
-                <a:spcPts val="600"/>
-              </a:spcAft>
-            </a:pPr>
-            <a:r>
-              <a:rPr lang="en-GB" dirty="0"/>
-              <a:t>inputs data1 and data2 are A and B</a:t>
-            </a:r>
-          </a:p>
-          <a:p>
-            <a:pPr lvl="3">
-              <a:lnSpc>
-                <a:spcPct val="100000"/>
-              </a:lnSpc>
-              <a:spcBef>
-                <a:spcPts val="600"/>
-              </a:spcBef>
-              <a:spcAft>
-                <a:spcPts val="600"/>
-              </a:spcAft>
-            </a:pPr>
-            <a:r>
-              <a:rPr lang="en-GB" dirty="0"/>
-              <a:t>other inputs are don’t cares and are tied to 0</a:t>
-            </a:r>
-          </a:p>
-          <a:p>
-            <a:pPr lvl="1"/>
-            <a:r>
-              <a:rPr lang="en-GB" dirty="0"/>
-              <a:t>The final multiplexers select the combinational outputs from the LUTs to produce X and Y</a:t>
-            </a:r>
-          </a:p>
-        </p:txBody>
-      </p:sp>
-      <p:pic>
-        <p:nvPicPr>
-          <p:cNvPr id="3" name="Immagine 2">
-            <a:extLst>
-              <a:ext uri="{FF2B5EF4-FFF2-40B4-BE49-F238E27FC236}">
-                <a16:creationId xmlns:a16="http://schemas.microsoft.com/office/drawing/2014/main" id="{A3ECDA60-9F01-2DDE-2EEA-865FD2FB5C10}"/>
-              </a:ext>
-            </a:extLst>
-          </p:cNvPr>
-          <p:cNvPicPr>
-            <a:picLocks noChangeAspect="1"/>
-          </p:cNvPicPr>
-          <p:nvPr/>
-        </p:nvPicPr>
-        <p:blipFill>
-          <a:blip r:embed="rId3"/>
-          <a:stretch>
-            <a:fillRect/>
-          </a:stretch>
-        </p:blipFill>
-        <p:spPr>
-          <a:xfrm>
-            <a:off x="792790" y="5213377"/>
-            <a:ext cx="2386853" cy="1423272"/>
-          </a:xfrm>
-          <a:prstGeom prst="rect">
-            <a:avLst/>
-          </a:prstGeom>
-        </p:spPr>
-      </p:pic>
-      <p:pic>
-        <p:nvPicPr>
-          <p:cNvPr id="5" name="Immagine 4">
-            <a:extLst>
-              <a:ext uri="{FF2B5EF4-FFF2-40B4-BE49-F238E27FC236}">
-                <a16:creationId xmlns:a16="http://schemas.microsoft.com/office/drawing/2014/main" id="{4368ED42-985A-A41A-0047-D76E832658D2}"/>
-              </a:ext>
-            </a:extLst>
-          </p:cNvPr>
-          <p:cNvPicPr>
-            <a:picLocks noChangeAspect="1"/>
-          </p:cNvPicPr>
-          <p:nvPr/>
-        </p:nvPicPr>
-        <p:blipFill>
-          <a:blip r:embed="rId4"/>
-          <a:stretch>
-            <a:fillRect/>
-          </a:stretch>
-        </p:blipFill>
-        <p:spPr>
-          <a:xfrm>
-            <a:off x="2903392" y="5666223"/>
-            <a:ext cx="1795182" cy="820874"/>
-          </a:xfrm>
-          <a:prstGeom prst="rect">
-            <a:avLst/>
-          </a:prstGeom>
-        </p:spPr>
-      </p:pic>
-      <p:pic>
-        <p:nvPicPr>
-          <p:cNvPr id="7" name="Immagine 6">
-            <a:extLst>
-              <a:ext uri="{FF2B5EF4-FFF2-40B4-BE49-F238E27FC236}">
-                <a16:creationId xmlns:a16="http://schemas.microsoft.com/office/drawing/2014/main" id="{BBD3E66E-C91C-A3E9-4265-A23DE4237BA7}"/>
-              </a:ext>
-            </a:extLst>
-          </p:cNvPr>
-          <p:cNvPicPr>
-            <a:picLocks noChangeAspect="1"/>
-          </p:cNvPicPr>
-          <p:nvPr/>
-        </p:nvPicPr>
-        <p:blipFill>
-          <a:blip r:embed="rId5"/>
-          <a:stretch>
-            <a:fillRect/>
-          </a:stretch>
-        </p:blipFill>
-        <p:spPr>
-          <a:xfrm>
-            <a:off x="4891370" y="5177512"/>
-            <a:ext cx="2386853" cy="870394"/>
-          </a:xfrm>
-          <a:prstGeom prst="rect">
-            <a:avLst/>
-          </a:prstGeom>
-        </p:spPr>
-      </p:pic>
-      <p:pic>
-        <p:nvPicPr>
-          <p:cNvPr id="9" name="Immagine 8">
-            <a:extLst>
-              <a:ext uri="{FF2B5EF4-FFF2-40B4-BE49-F238E27FC236}">
-                <a16:creationId xmlns:a16="http://schemas.microsoft.com/office/drawing/2014/main" id="{4382862D-A777-D6AD-2627-573C4D819E65}"/>
-              </a:ext>
-            </a:extLst>
-          </p:cNvPr>
-          <p:cNvPicPr>
-            <a:picLocks noChangeAspect="1"/>
-          </p:cNvPicPr>
-          <p:nvPr/>
-        </p:nvPicPr>
-        <p:blipFill>
-          <a:blip r:embed="rId6"/>
-          <a:stretch>
-            <a:fillRect/>
-          </a:stretch>
-        </p:blipFill>
-        <p:spPr>
-          <a:xfrm>
-            <a:off x="7029804" y="5601275"/>
-            <a:ext cx="1802496" cy="835492"/>
-          </a:xfrm>
-          <a:prstGeom prst="rect">
-            <a:avLst/>
-          </a:prstGeom>
-        </p:spPr>
-      </p:pic>
-    </p:spTree>
-    <p:extLst>
-      <p:ext uri="{BB962C8B-B14F-4D97-AF65-F5344CB8AC3E}">
-        <p14:creationId xmlns:p14="http://schemas.microsoft.com/office/powerpoint/2010/main" val="1621338847"/>
       </p:ext>
     </p:extLst>
   </p:cSld>
@@ -17230,7 +16239,14 @@
             </a:r>
             <a:r>
               <a:rPr lang="en-GB" dirty="0"/>
-              <a:t> possible outputs in binary order</a:t>
+              <a:t> possible outputs in binary </a:t>
+            </a:r>
+            <a:br>
+              <a:rPr lang="en-GB" dirty="0"/>
+            </a:br>
+            <a:r>
+              <a:rPr lang="en-GB" dirty="0"/>
+              <a:t>order</a:t>
             </a:r>
           </a:p>
           <a:p>
@@ -17248,50 +16264,42 @@
             </a:r>
           </a:p>
           <a:p>
+            <a:pPr lvl="1"/>
+            <a:endParaRPr lang="en-GB" dirty="0"/>
+          </a:p>
+          <a:p>
             <a:pPr lvl="0"/>
             <a:r>
               <a:rPr lang="en-GB" dirty="0"/>
-              <a:t>A possible implementation composed of an adder and a resettable register</a:t>
-            </a:r>
-          </a:p>
-          <a:p>
-            <a:pPr marL="120650" lvl="0" indent="0">
-              <a:buNone/>
-            </a:pPr>
-            <a:endParaRPr lang="en-GB" dirty="0"/>
-          </a:p>
-          <a:p>
-            <a:pPr lvl="0"/>
-            <a:endParaRPr lang="en-GB" dirty="0"/>
-          </a:p>
-          <a:p>
-            <a:pPr lvl="0"/>
-            <a:endParaRPr lang="en-GB" dirty="0"/>
-          </a:p>
-          <a:p>
-            <a:pPr lvl="0"/>
-            <a:endParaRPr lang="en-GB" dirty="0"/>
-          </a:p>
-          <a:p>
-            <a:pPr lvl="0"/>
-            <a:endParaRPr lang="en-GB" dirty="0"/>
+              <a:t>A possible implementation composed of an adder </a:t>
+            </a:r>
+            <a:br>
+              <a:rPr lang="en-GB" dirty="0"/>
+            </a:br>
+            <a:r>
+              <a:rPr lang="en-GB" dirty="0"/>
+              <a:t>and a  resettable register</a:t>
+            </a:r>
           </a:p>
           <a:p>
             <a:pPr lvl="1"/>
             <a:r>
               <a:rPr lang="en-GB" dirty="0"/>
-              <a:t>on each cycle, the counter adds 1 to the value stored in the register</a:t>
-            </a:r>
-          </a:p>
-          <a:p>
-            <a:pPr lvl="0"/>
-            <a:endParaRPr lang="en-GB" dirty="0"/>
-          </a:p>
-          <a:p>
-            <a:pPr lvl="0"/>
-            <a:r>
-              <a:rPr lang="en-GB" dirty="0"/>
-              <a:t>The most significant bit toggles every 2</a:t>
+              <a:t>on each cycle, the counter adds 1 to the value </a:t>
+            </a:r>
+            <a:br>
+              <a:rPr lang="en-GB" dirty="0"/>
+            </a:br>
+            <a:r>
+              <a:rPr lang="en-GB" dirty="0"/>
+              <a:t>stored in the register</a:t>
+            </a:r>
+          </a:p>
+          <a:p>
+            <a:pPr lvl="1"/>
+            <a:r>
+              <a:rPr lang="en-GB" dirty="0"/>
+              <a:t>the most significant bit toggles every 2</a:t>
             </a:r>
             <a:r>
               <a:rPr lang="en-GB" baseline="30000" dirty="0"/>
@@ -17303,10 +16311,19 @@
             </a:r>
           </a:p>
           <a:p>
-            <a:pPr lvl="1"/>
-            <a:r>
-              <a:rPr lang="en-GB" dirty="0"/>
-              <a:t>it can reduces the frequency of the clock by a factor of 2</a:t>
+            <a:endParaRPr lang="en-GB" dirty="0"/>
+          </a:p>
+          <a:p>
+            <a:r>
+              <a:rPr lang="en-GB" dirty="0"/>
+              <a:t>It can be used to reduces the frequency of the </a:t>
+            </a:r>
+            <a:br>
+              <a:rPr lang="en-GB" dirty="0"/>
+            </a:br>
+            <a:r>
+              <a:rPr lang="en-GB" dirty="0"/>
+              <a:t>clock by a factor of 2</a:t>
             </a:r>
             <a:r>
               <a:rPr lang="en-GB" baseline="30000" dirty="0"/>
@@ -17324,17 +16341,17 @@
             <a:pPr lvl="1"/>
             <a:r>
               <a:rPr lang="en-GB" dirty="0"/>
-              <a:t>a digital system with a 50MHz clock, can be slowed with a 24-bit counter to produce a 2.98Hz signal that blinks a LED at a rate the human eye can observe</a:t>
+              <a:t>a digital system with a 50MHz clock, can be slowed with a 24-bit counter to produce a 2.98Hz signal that  blinks a LED at a rate the human eye can observe</a:t>
             </a:r>
           </a:p>
         </p:txBody>
       </p:sp>
       <p:pic>
         <p:nvPicPr>
-          <p:cNvPr id="3" name="Immagine 2">
+          <p:cNvPr id="4" name="Immagine 3" descr="Immagine che contiene diagramma, schizzo, disegno, linea&#10;&#10;Descrizione generata automaticamente">
             <a:extLst>
               <a:ext uri="{FF2B5EF4-FFF2-40B4-BE49-F238E27FC236}">
-                <a16:creationId xmlns:a16="http://schemas.microsoft.com/office/drawing/2014/main" id="{D211F3A5-D09C-C7A9-B4F1-008E6B12EEE1}"/>
+                <a16:creationId xmlns:a16="http://schemas.microsoft.com/office/drawing/2014/main" id="{BC367194-A37E-6082-630A-671094B93ABC}"/>
               </a:ext>
             </a:extLst>
           </p:cNvPr>
@@ -17351,8 +16368,8 @@
         </p:blipFill>
         <p:spPr>
           <a:xfrm>
-            <a:off x="7786717" y="828735"/>
-            <a:ext cx="1120058" cy="1433674"/>
+            <a:off x="7536318" y="593479"/>
+            <a:ext cx="1382443" cy="1984213"/>
           </a:xfrm>
           <a:prstGeom prst="rect">
             <a:avLst/>
@@ -17361,10 +16378,10 @@
       </p:pic>
       <p:pic>
         <p:nvPicPr>
-          <p:cNvPr id="5" name="Immagine 4">
+          <p:cNvPr id="7" name="Immagine 6" descr="Immagine che contiene diagramma, linea, Disegno tecnico, Piano&#10;&#10;Descrizione generata automaticamente">
             <a:extLst>
               <a:ext uri="{FF2B5EF4-FFF2-40B4-BE49-F238E27FC236}">
-                <a16:creationId xmlns:a16="http://schemas.microsoft.com/office/drawing/2014/main" id="{79CFA748-398B-90AB-43EF-9805581A2011}"/>
+                <a16:creationId xmlns:a16="http://schemas.microsoft.com/office/drawing/2014/main" id="{9994D323-1EB8-2C51-AD2E-03829C5C8C8D}"/>
               </a:ext>
             </a:extLst>
           </p:cNvPr>
@@ -17381,8 +16398,8 @@
         </p:blipFill>
         <p:spPr>
           <a:xfrm>
-            <a:off x="624521" y="2531979"/>
-            <a:ext cx="2632925" cy="1450474"/>
+            <a:off x="5906477" y="2723465"/>
+            <a:ext cx="3259682" cy="2982998"/>
           </a:xfrm>
           <a:prstGeom prst="rect">
             <a:avLst/>
@@ -17725,7 +16742,7 @@
         <p:spPr>
           <a:xfrm>
             <a:off x="162750" y="1080187"/>
-            <a:ext cx="8818500" cy="5100000"/>
+            <a:ext cx="8818500" cy="5545900"/>
           </a:xfrm>
           <a:prstGeom prst="rect">
             <a:avLst/>
@@ -17809,6 +16826,16 @@
           </a:p>
           <a:p>
             <a:pPr lvl="0"/>
+            <a:endParaRPr lang="en-GB" dirty="0"/>
+          </a:p>
+          <a:p>
+            <a:pPr marL="120650" lvl="0" indent="0">
+              <a:buNone/>
+            </a:pPr>
+            <a:endParaRPr lang="en-GB" sz="1000" dirty="0"/>
+          </a:p>
+          <a:p>
+            <a:pPr lvl="0"/>
             <a:r>
               <a:rPr lang="en-GB" dirty="0"/>
               <a:t>Don’t confuse shift registers with shifters</a:t>
@@ -17820,8 +16847,6 @@
               <a:rPr lang="en-GB" dirty="0"/>
               <a:t>shifters are un-clocked combinational blocks that shift an input by a specified amount</a:t>
             </a:r>
-          </a:p>
-          <a:p>
             <a:endParaRPr lang="en-GB" sz="1400" dirty="0"/>
           </a:p>
           <a:p>
@@ -17857,10 +16882,10 @@
       </p:sp>
       <p:pic>
         <p:nvPicPr>
-          <p:cNvPr id="3" name="Immagine 2">
+          <p:cNvPr id="4" name="Immagine 3" descr="Immagine che contiene diagramma, schizzo, linea, disegno&#10;&#10;Descrizione generata automaticamente">
             <a:extLst>
               <a:ext uri="{FF2B5EF4-FFF2-40B4-BE49-F238E27FC236}">
-                <a16:creationId xmlns:a16="http://schemas.microsoft.com/office/drawing/2014/main" id="{8E16D4CA-B8AE-89D5-9954-CD93BBCD3F2E}"/>
+                <a16:creationId xmlns:a16="http://schemas.microsoft.com/office/drawing/2014/main" id="{C1DB3BC4-02A7-DEF9-0CF0-1D082829F4AE}"/>
               </a:ext>
             </a:extLst>
           </p:cNvPr>
@@ -17877,8 +16902,8 @@
         </p:blipFill>
         <p:spPr>
           <a:xfrm>
-            <a:off x="7243344" y="929477"/>
-            <a:ext cx="1479550" cy="1595919"/>
+            <a:off x="7167628" y="732483"/>
+            <a:ext cx="1664672" cy="1856750"/>
           </a:xfrm>
           <a:prstGeom prst="rect">
             <a:avLst/>
@@ -17887,10 +16912,10 @@
       </p:pic>
       <p:pic>
         <p:nvPicPr>
-          <p:cNvPr id="5" name="Immagine 4">
+          <p:cNvPr id="7" name="Immagine 6" descr="Immagine che contiene diagramma, linea, Disegno tecnico, Piano&#10;&#10;Descrizione generata automaticamente">
             <a:extLst>
               <a:ext uri="{FF2B5EF4-FFF2-40B4-BE49-F238E27FC236}">
-                <a16:creationId xmlns:a16="http://schemas.microsoft.com/office/drawing/2014/main" id="{A55CCC8C-D9EA-5E44-EDE9-DBAB9B2C1D19}"/>
+                <a16:creationId xmlns:a16="http://schemas.microsoft.com/office/drawing/2014/main" id="{C0181FA4-1A0D-8AF9-6795-9A0A1F5F52D3}"/>
               </a:ext>
             </a:extLst>
           </p:cNvPr>
@@ -17907,8 +16932,8 @@
         </p:blipFill>
         <p:spPr>
           <a:xfrm>
-            <a:off x="447176" y="2826080"/>
-            <a:ext cx="3739814" cy="1422408"/>
+            <a:off x="778165" y="2826080"/>
+            <a:ext cx="3975652" cy="1836084"/>
           </a:xfrm>
           <a:prstGeom prst="rect">
             <a:avLst/>
@@ -17945,6 +16970,36 @@
           <a:chExt cx="0" cy="0"/>
         </a:xfrm>
       </p:grpSpPr>
+      <p:pic>
+        <p:nvPicPr>
+          <p:cNvPr id="4" name="Immagine 3" descr="Immagine che contiene diagramma, linea, Diagramma, Disegno tecnico&#10;&#10;Descrizione generata automaticamente">
+            <a:extLst>
+              <a:ext uri="{FF2B5EF4-FFF2-40B4-BE49-F238E27FC236}">
+                <a16:creationId xmlns:a16="http://schemas.microsoft.com/office/drawing/2014/main" id="{408F8785-A7D5-BB6E-AF9A-0CC109793B3D}"/>
+              </a:ext>
+            </a:extLst>
+          </p:cNvPr>
+          <p:cNvPicPr>
+            <a:picLocks noChangeAspect="1"/>
+          </p:cNvPicPr>
+          <p:nvPr/>
+        </p:nvPicPr>
+        <p:blipFill>
+          <a:blip r:embed="rId3"/>
+          <a:stretch>
+            <a:fillRect/>
+          </a:stretch>
+        </p:blipFill>
+        <p:spPr>
+          <a:xfrm>
+            <a:off x="682907" y="2917356"/>
+            <a:ext cx="6442276" cy="2728107"/>
+          </a:xfrm>
+          <a:prstGeom prst="rect">
+            <a:avLst/>
+          </a:prstGeom>
+        </p:spPr>
+      </p:pic>
       <p:sp>
         <p:nvSpPr>
           <p:cNvPr id="83" name="Google Shape;83;p14"/>
@@ -18037,9 +17092,6 @@
             </a:r>
           </a:p>
           <a:p>
-            <a:endParaRPr lang="en-GB" dirty="0"/>
-          </a:p>
-          <a:p>
             <a:r>
               <a:rPr lang="en-GB" dirty="0"/>
               <a:t>A shift register can be modified to perform both serial-to-parallel and parallel-to-serial operations by adding a parallel input D</a:t>
@@ -18069,6 +17121,15 @@
             <a:endParaRPr lang="en-GB" dirty="0"/>
           </a:p>
           <a:p>
+            <a:endParaRPr lang="en-GB" sz="800" dirty="0"/>
+          </a:p>
+          <a:p>
+            <a:endParaRPr lang="en-GB" dirty="0"/>
+          </a:p>
+          <a:p>
+            <a:endParaRPr lang="en-GB" dirty="0"/>
+          </a:p>
+          <a:p>
             <a:endParaRPr lang="en-GB" dirty="0"/>
           </a:p>
           <a:p>
@@ -18091,36 +17152,6 @@
           </a:p>
         </p:txBody>
       </p:sp>
-      <p:pic>
-        <p:nvPicPr>
-          <p:cNvPr id="3" name="Immagine 2">
-            <a:extLst>
-              <a:ext uri="{FF2B5EF4-FFF2-40B4-BE49-F238E27FC236}">
-                <a16:creationId xmlns:a16="http://schemas.microsoft.com/office/drawing/2014/main" id="{E85CD448-8826-6530-5CF0-7C050A2DFF41}"/>
-              </a:ext>
-            </a:extLst>
-          </p:cNvPr>
-          <p:cNvPicPr>
-            <a:picLocks noChangeAspect="1"/>
-          </p:cNvPicPr>
-          <p:nvPr/>
-        </p:nvPicPr>
-        <p:blipFill>
-          <a:blip r:embed="rId3"/>
-          <a:stretch>
-            <a:fillRect/>
-          </a:stretch>
-        </p:blipFill>
-        <p:spPr>
-          <a:xfrm>
-            <a:off x="585871" y="3321050"/>
-            <a:ext cx="4940300" cy="1587500"/>
-          </a:xfrm>
-          <a:prstGeom prst="rect">
-            <a:avLst/>
-          </a:prstGeom>
-        </p:spPr>
-      </p:pic>
     </p:spTree>
     <p:extLst>
       <p:ext uri="{BB962C8B-B14F-4D97-AF65-F5344CB8AC3E}">
@@ -18205,7 +17236,7 @@
         </p:nvSpPr>
         <p:spPr>
           <a:xfrm>
-            <a:off x="162750" y="1043733"/>
+            <a:off x="162750" y="944580"/>
             <a:ext cx="8818500" cy="5596058"/>
           </a:xfrm>
           <a:prstGeom prst="rect">
@@ -18235,7 +17266,7 @@
             </a:r>
             <a:r>
               <a:rPr lang="en-GB" dirty="0"/>
-              <a:t>) are applied and outputs are checked</a:t>
+              <a:t>) are applied, and outputs are checked</a:t>
             </a:r>
           </a:p>
           <a:p>
@@ -18248,11 +17279,11 @@
             <a:pPr lvl="1"/>
             <a:r>
               <a:rPr lang="en-GB" dirty="0"/>
-              <a:t>a large number of cycles of test vectors may be needed to put the circuit into a state</a:t>
-            </a:r>
-          </a:p>
-          <a:p>
-            <a:pPr lvl="2"/>
+              <a:t>many cycles of test vectors may be needed to put the circuit into a state</a:t>
+            </a:r>
+          </a:p>
+          <a:p>
+            <a:pPr lvl="1"/>
             <a:r>
               <a:rPr lang="en-GB" dirty="0"/>
               <a:t>testing that the </a:t>
@@ -18278,29 +17309,26 @@
             <a:pPr lvl="0"/>
             <a:r>
               <a:rPr lang="en-GB" dirty="0"/>
-              <a:t>A solutions: directly control the state</a:t>
-            </a:r>
-          </a:p>
-          <a:p>
-            <a:pPr lvl="1"/>
-            <a:r>
-              <a:rPr lang="en-GB" dirty="0"/>
-              <a:t>all flip-flops are connected together into a shift register called a </a:t>
+              <a:t>Directly control the state, flip-flops connected into a shift register (</a:t>
             </a:r>
             <a:r>
               <a:rPr lang="en-GB" b="1" dirty="0"/>
               <a:t>scan chain</a:t>
             </a:r>
-          </a:p>
-          <a:p>
-            <a:pPr lvl="2"/>
+            <a:r>
+              <a:rPr lang="en-GB" dirty="0"/>
+              <a:t>)</a:t>
+            </a:r>
+          </a:p>
+          <a:p>
+            <a:pPr lvl="1"/>
             <a:r>
               <a:rPr lang="en-GB" dirty="0"/>
               <a:t>in normal operation, flip-flops load data from their input D</a:t>
             </a:r>
           </a:p>
           <a:p>
-            <a:pPr lvl="2"/>
+            <a:pPr lvl="1"/>
             <a:r>
               <a:rPr lang="en-GB" dirty="0"/>
               <a:t>in test mode, flip-flops serially shift contents using S</a:t>
@@ -18340,6 +17368,24 @@
               <a:buNone/>
             </a:pPr>
             <a:endParaRPr lang="en-GB" sz="1050" dirty="0"/>
+          </a:p>
+          <a:p>
+            <a:pPr marL="120650" indent="0">
+              <a:buNone/>
+            </a:pPr>
+            <a:endParaRPr lang="en-GB" sz="1050" dirty="0"/>
+          </a:p>
+          <a:p>
+            <a:pPr marL="120650" indent="0">
+              <a:buNone/>
+            </a:pPr>
+            <a:endParaRPr lang="en-GB" sz="1200" dirty="0"/>
+          </a:p>
+          <a:p>
+            <a:pPr marL="120650" indent="0">
+              <a:buNone/>
+            </a:pPr>
+            <a:endParaRPr lang="en-GB" sz="100" dirty="0"/>
           </a:p>
           <a:p>
             <a:r>
@@ -18369,10 +17415,10 @@
       </p:sp>
       <p:pic>
         <p:nvPicPr>
-          <p:cNvPr id="3" name="Immagine 2">
+          <p:cNvPr id="6" name="Immagine 5" descr="Immagine che contiene diagramma, linea, Disegno tecnico, Piano&#10;&#10;Descrizione generata automaticamente">
             <a:extLst>
               <a:ext uri="{FF2B5EF4-FFF2-40B4-BE49-F238E27FC236}">
-                <a16:creationId xmlns:a16="http://schemas.microsoft.com/office/drawing/2014/main" id="{F4CF7F98-D25D-3627-AF36-4F2147E3BDDB}"/>
+                <a16:creationId xmlns:a16="http://schemas.microsoft.com/office/drawing/2014/main" id="{3066009C-A1A0-4C1E-E9C1-59DE87F330AA}"/>
               </a:ext>
             </a:extLst>
           </p:cNvPr>
@@ -18389,8 +17435,8 @@
         </p:blipFill>
         <p:spPr>
           <a:xfrm>
-            <a:off x="1226601" y="4331435"/>
-            <a:ext cx="1421564" cy="850863"/>
+            <a:off x="630003" y="3807615"/>
+            <a:ext cx="2291295" cy="1408620"/>
           </a:xfrm>
           <a:prstGeom prst="rect">
             <a:avLst/>
@@ -18399,10 +17445,10 @@
       </p:pic>
       <p:pic>
         <p:nvPicPr>
-          <p:cNvPr id="5" name="Immagine 4">
+          <p:cNvPr id="9" name="Immagine 8" descr="Immagine che contiene diagramma, linea, schizzo, origami&#10;&#10;Descrizione generata automaticamente">
             <a:extLst>
               <a:ext uri="{FF2B5EF4-FFF2-40B4-BE49-F238E27FC236}">
-                <a16:creationId xmlns:a16="http://schemas.microsoft.com/office/drawing/2014/main" id="{6DBFF6DD-8E08-780F-58B7-B694E29A35B4}"/>
+                <a16:creationId xmlns:a16="http://schemas.microsoft.com/office/drawing/2014/main" id="{317E278A-88D4-4E85-5928-76A6083D2F9C}"/>
               </a:ext>
             </a:extLst>
           </p:cNvPr>
@@ -18419,8 +17465,8 @@
         </p:blipFill>
         <p:spPr>
           <a:xfrm>
-            <a:off x="3059682" y="4259313"/>
-            <a:ext cx="685163" cy="1027745"/>
+            <a:off x="3094814" y="3851959"/>
+            <a:ext cx="1091595" cy="1643456"/>
           </a:xfrm>
           <a:prstGeom prst="rect">
             <a:avLst/>
@@ -18429,10 +17475,10 @@
       </p:pic>
       <p:pic>
         <p:nvPicPr>
-          <p:cNvPr id="7" name="Immagine 6">
+          <p:cNvPr id="11" name="Immagine 10" descr="Immagine che contiene diagramma, linea, Disegno tecnico, Piano&#10;&#10;Descrizione generata automaticamente">
             <a:extLst>
               <a:ext uri="{FF2B5EF4-FFF2-40B4-BE49-F238E27FC236}">
-                <a16:creationId xmlns:a16="http://schemas.microsoft.com/office/drawing/2014/main" id="{41263906-14E5-D812-304C-B895149888C2}"/>
+                <a16:creationId xmlns:a16="http://schemas.microsoft.com/office/drawing/2014/main" id="{AF079640-270A-D701-4718-587EB422DC5D}"/>
               </a:ext>
             </a:extLst>
           </p:cNvPr>
@@ -18449,8 +17495,8 @@
         </p:blipFill>
         <p:spPr>
           <a:xfrm>
-            <a:off x="4156363" y="4259313"/>
-            <a:ext cx="3378427" cy="1375703"/>
+            <a:off x="4458150" y="3772494"/>
+            <a:ext cx="4180649" cy="1971229"/>
           </a:xfrm>
           <a:prstGeom prst="rect">
             <a:avLst/>
@@ -18704,79 +17750,9 @@
             </a:r>
           </a:p>
           <a:p>
-            <a:pPr lvl="0"/>
-            <a:endParaRPr lang="en-GB" dirty="0"/>
-          </a:p>
-          <a:p>
-            <a:pPr lvl="0"/>
-            <a:endParaRPr lang="en-GB" dirty="0"/>
-          </a:p>
-          <a:p>
-            <a:pPr lvl="0"/>
-            <a:endParaRPr lang="en-GB" dirty="0"/>
-          </a:p>
-          <a:p>
-            <a:pPr lvl="0"/>
-            <a:endParaRPr lang="en-GB" dirty="0"/>
-          </a:p>
-          <a:p>
-            <a:pPr lvl="0"/>
-            <a:endParaRPr lang="en-GB" dirty="0"/>
-          </a:p>
-          <a:p>
-            <a:pPr lvl="0"/>
-            <a:endParaRPr lang="en-GB" dirty="0"/>
-          </a:p>
-          <a:p>
-            <a:pPr lvl="0"/>
-            <a:endParaRPr lang="en-GB" dirty="0"/>
-          </a:p>
-          <a:p>
-            <a:pPr lvl="0"/>
-            <a:endParaRPr lang="en-GB" dirty="0"/>
-          </a:p>
-          <a:p>
-            <a:pPr lvl="0"/>
-            <a:r>
-              <a:rPr lang="en-GB" dirty="0"/>
-              <a:t>Three types of memory arrays: </a:t>
-            </a:r>
-          </a:p>
-          <a:p>
-            <a:pPr lvl="1"/>
-            <a:r>
-              <a:rPr lang="en-GB" dirty="0"/>
-              <a:t>Dynamic Random Access Memory (DRAM)</a:t>
-            </a:r>
-          </a:p>
-          <a:p>
-            <a:pPr lvl="1"/>
-            <a:r>
-              <a:rPr lang="en-GB" dirty="0"/>
-              <a:t>Static Random Access Memory (SRAM)</a:t>
-            </a:r>
-          </a:p>
-          <a:p>
-            <a:pPr lvl="1"/>
-            <a:r>
-              <a:rPr lang="en-GB" dirty="0"/>
-              <a:t>Read Only Memory (ROM)</a:t>
-            </a:r>
-          </a:p>
-          <a:p>
-            <a:pPr lvl="1"/>
-            <a:r>
-              <a:rPr lang="en-GB" dirty="0"/>
-              <a:t>each type differs in </a:t>
-            </a:r>
-            <a:r>
-              <a:rPr lang="en-GB" b="1" dirty="0"/>
-              <a:t>the way it stores data</a:t>
-            </a:r>
-            <a:endParaRPr lang="en-GB" dirty="0"/>
-          </a:p>
-          <a:p>
-            <a:pPr lvl="1"/>
+            <a:pPr marL="120650" lvl="0" indent="0">
+              <a:buNone/>
+            </a:pPr>
             <a:endParaRPr lang="en-GB" dirty="0"/>
           </a:p>
         </p:txBody>

--- a/10 - Sequential Building Blocks/10 - Sequential Building Blocks.pptx
+++ b/10 - Sequential Building Blocks/10 - Sequential Building Blocks.pptx
@@ -13215,7 +13215,7 @@
             <a:pPr lvl="1"/>
             <a:r>
               <a:rPr lang="en-GB" dirty="0"/>
-              <a:t>first standardized in 2000 (100 MHz), today (2021) speeds over 3 GHz</a:t>
+              <a:t>first standardized in 2000 (100 MHz), today (2024) speeds over 5 GHz (DDR5)</a:t>
             </a:r>
           </a:p>
           <a:p>
@@ -14512,7 +14512,7 @@
             <a:pPr lvl="1"/>
             <a:r>
               <a:rPr lang="en-GB" dirty="0"/>
-              <a:t>in 2021, Flash cost about $0.1 per GB, and price is dropping</a:t>
+              <a:t>in 2024, Flash cost about $0.05 per GB, and price is dropping</a:t>
             </a:r>
           </a:p>
           <a:p>
@@ -14726,19 +14726,7 @@
             </a:r>
           </a:p>
           <a:p>
-            <a:pPr lvl="2"/>
-            <a:r>
-              <a:rPr lang="en-GB" dirty="0"/>
-              <a:t>Data2 is the XOR of the two address inputs</a:t>
-            </a:r>
-          </a:p>
-          <a:p>
-            <a:pPr lvl="2"/>
-            <a:r>
-              <a:rPr lang="en-GB" dirty="0"/>
-              <a:t>Data0 is the NOR of the two inputs</a:t>
-            </a:r>
-            <a:endParaRPr lang="en-GB" sz="300" dirty="0"/>
+            <a:endParaRPr lang="en-GB" dirty="0"/>
           </a:p>
           <a:p>
             <a:r>
@@ -14763,7 +14751,7 @@
           <a:p>
             <a:r>
               <a:rPr lang="en-GB" dirty="0"/>
-              <a:t>The following figure shows a LUT (4-word × -bit)  </a:t>
+              <a:t>The following figure shows a LUT (4-word × 1-bit)  </a:t>
             </a:r>
             <a:br>
               <a:rPr lang="en-GB" dirty="0"/>
@@ -14804,8 +14792,8 @@
         </p:blipFill>
         <p:spPr>
           <a:xfrm>
-            <a:off x="4146179" y="4549905"/>
-            <a:ext cx="1340827" cy="1752298"/>
+            <a:off x="4032740" y="4065405"/>
+            <a:ext cx="1594944" cy="2084398"/>
           </a:xfrm>
           <a:prstGeom prst="rect">
             <a:avLst/>
@@ -14834,8 +14822,8 @@
         </p:blipFill>
         <p:spPr>
           <a:xfrm>
-            <a:off x="5902478" y="3956538"/>
-            <a:ext cx="2337378" cy="2708031"/>
+            <a:off x="5783077" y="3147089"/>
+            <a:ext cx="2877887" cy="3334252"/>
           </a:xfrm>
           <a:prstGeom prst="rect">
             <a:avLst/>
@@ -15549,7 +15537,7 @@
           <a:p>
             <a:r>
               <a:rPr lang="en-GB" dirty="0"/>
-              <a:t>FPGAs are used on several consumer produces</a:t>
+              <a:t>FPGAs are used on several consumer products</a:t>
             </a:r>
           </a:p>
           <a:p>
@@ -15760,8 +15748,8 @@
         </p:blipFill>
         <p:spPr>
           <a:xfrm>
-            <a:off x="0" y="1585551"/>
-            <a:ext cx="8028632" cy="4704393"/>
+            <a:off x="82061" y="1375168"/>
+            <a:ext cx="8989950" cy="5267679"/>
           </a:xfrm>
           <a:prstGeom prst="rect">
             <a:avLst/>
@@ -15867,7 +15855,7 @@
           <a:p>
             <a:r>
               <a:rPr lang="en-GB" dirty="0"/>
-              <a:t>Other brands of FPGA are organized somewhat differently, but the same general principles apply. </a:t>
+              <a:t>Other brands of FPGA are organized somewhat differently, but the same general principles apply </a:t>
             </a:r>
           </a:p>
           <a:p>
@@ -18330,4 +18318,237 @@
   <a:objectDefaults/>
   <a:extraClrSchemeLst/>
 </a:theme>
+</file>
+
+<file path=customXml/item1.xml><?xml version="1.0" encoding="utf-8"?>
+<ct:contentTypeSchema xmlns:ct="http://schemas.microsoft.com/office/2006/metadata/contentType" xmlns:ma="http://schemas.microsoft.com/office/2006/metadata/properties/metaAttributes" ct:_="" ma:_="" ma:contentTypeName="Documento" ma:contentTypeID="0x010100B8FA822B18A0634FB7342CF29752587A" ma:contentTypeVersion="12" ma:contentTypeDescription="Creare un nuovo documento." ma:contentTypeScope="" ma:versionID="4c8b1e8002f5a6c880c83187af115cef">
+  <xsd:schema xmlns:xsd="http://www.w3.org/2001/XMLSchema" xmlns:xs="http://www.w3.org/2001/XMLSchema" xmlns:p="http://schemas.microsoft.com/office/2006/metadata/properties" xmlns:ns2="3bd0d43f-5e5b-43cd-b6fc-691bd77672c6" xmlns:ns3="e9b5433c-2372-4cb7-8bab-09518096b29b" targetNamespace="http://schemas.microsoft.com/office/2006/metadata/properties" ma:root="true" ma:fieldsID="618b708abf3b656f834d84e193700042" ns2:_="" ns3:_="">
+    <xsd:import namespace="3bd0d43f-5e5b-43cd-b6fc-691bd77672c6"/>
+    <xsd:import namespace="e9b5433c-2372-4cb7-8bab-09518096b29b"/>
+    <xsd:element name="properties">
+      <xsd:complexType>
+        <xsd:sequence>
+          <xsd:element name="documentManagement">
+            <xsd:complexType>
+              <xsd:all>
+                <xsd:element ref="ns2:MediaServiceMetadata" minOccurs="0"/>
+                <xsd:element ref="ns2:MediaServiceFastMetadata" minOccurs="0"/>
+                <xsd:element ref="ns2:MediaServiceSearchProperties" minOccurs="0"/>
+                <xsd:element ref="ns2:MediaServiceObjectDetectorVersions" minOccurs="0"/>
+                <xsd:element ref="ns2:lcf76f155ced4ddcb4097134ff3c332f" minOccurs="0"/>
+                <xsd:element ref="ns3:TaxCatchAll" minOccurs="0"/>
+                <xsd:element ref="ns2:MediaServiceDateTaken" minOccurs="0"/>
+                <xsd:element ref="ns2:MediaServiceOCR" minOccurs="0"/>
+                <xsd:element ref="ns2:MediaServiceGenerationTime" minOccurs="0"/>
+                <xsd:element ref="ns2:MediaServiceEventHashCode" minOccurs="0"/>
+                <xsd:element ref="ns2:MediaLengthInSeconds" minOccurs="0"/>
+              </xsd:all>
+            </xsd:complexType>
+          </xsd:element>
+        </xsd:sequence>
+      </xsd:complexType>
+    </xsd:element>
+  </xsd:schema>
+  <xsd:schema xmlns:xsd="http://www.w3.org/2001/XMLSchema" xmlns:xs="http://www.w3.org/2001/XMLSchema" xmlns:dms="http://schemas.microsoft.com/office/2006/documentManagement/types" xmlns:pc="http://schemas.microsoft.com/office/infopath/2007/PartnerControls" targetNamespace="3bd0d43f-5e5b-43cd-b6fc-691bd77672c6" elementFormDefault="qualified">
+    <xsd:import namespace="http://schemas.microsoft.com/office/2006/documentManagement/types"/>
+    <xsd:import namespace="http://schemas.microsoft.com/office/infopath/2007/PartnerControls"/>
+    <xsd:element name="MediaServiceMetadata" ma:index="8" nillable="true" ma:displayName="MediaServiceMetadata" ma:hidden="true" ma:internalName="MediaServiceMetadata" ma:readOnly="true">
+      <xsd:simpleType>
+        <xsd:restriction base="dms:Note"/>
+      </xsd:simpleType>
+    </xsd:element>
+    <xsd:element name="MediaServiceFastMetadata" ma:index="9" nillable="true" ma:displayName="MediaServiceFastMetadata" ma:hidden="true" ma:internalName="MediaServiceFastMetadata" ma:readOnly="true">
+      <xsd:simpleType>
+        <xsd:restriction base="dms:Note"/>
+      </xsd:simpleType>
+    </xsd:element>
+    <xsd:element name="MediaServiceSearchProperties" ma:index="10" nillable="true" ma:displayName="MediaServiceSearchProperties" ma:hidden="true" ma:internalName="MediaServiceSearchProperties" ma:readOnly="true">
+      <xsd:simpleType>
+        <xsd:restriction base="dms:Note"/>
+      </xsd:simpleType>
+    </xsd:element>
+    <xsd:element name="MediaServiceObjectDetectorVersions" ma:index="11" nillable="true" ma:displayName="MediaServiceObjectDetectorVersions" ma:hidden="true" ma:indexed="true" ma:internalName="MediaServiceObjectDetectorVersions" ma:readOnly="true">
+      <xsd:simpleType>
+        <xsd:restriction base="dms:Text"/>
+      </xsd:simpleType>
+    </xsd:element>
+    <xsd:element name="lcf76f155ced4ddcb4097134ff3c332f" ma:index="13" nillable="true" ma:taxonomy="true" ma:internalName="lcf76f155ced4ddcb4097134ff3c332f" ma:taxonomyFieldName="MediaServiceImageTags" ma:displayName="Tag immagine" ma:readOnly="false" ma:fieldId="{5cf76f15-5ced-4ddc-b409-7134ff3c332f}" ma:taxonomyMulti="true" ma:sspId="b3f316dc-fb4b-4146-8b22-f4ef2efe4b04" ma:termSetId="09814cd3-568e-fe90-9814-8d621ff8fb84" ma:anchorId="fba54fb3-c3e1-fe81-a776-ca4b69148c4d" ma:open="true" ma:isKeyword="false">
+      <xsd:complexType>
+        <xsd:sequence>
+          <xsd:element ref="pc:Terms" minOccurs="0" maxOccurs="1"/>
+        </xsd:sequence>
+      </xsd:complexType>
+    </xsd:element>
+    <xsd:element name="MediaServiceDateTaken" ma:index="15" nillable="true" ma:displayName="MediaServiceDateTaken" ma:hidden="true" ma:indexed="true" ma:internalName="MediaServiceDateTaken" ma:readOnly="true">
+      <xsd:simpleType>
+        <xsd:restriction base="dms:Text"/>
+      </xsd:simpleType>
+    </xsd:element>
+    <xsd:element name="MediaServiceOCR" ma:index="16" nillable="true" ma:displayName="Extracted Text" ma:internalName="MediaServiceOCR" ma:readOnly="true">
+      <xsd:simpleType>
+        <xsd:restriction base="dms:Note">
+          <xsd:maxLength value="255"/>
+        </xsd:restriction>
+      </xsd:simpleType>
+    </xsd:element>
+    <xsd:element name="MediaServiceGenerationTime" ma:index="17" nillable="true" ma:displayName="MediaServiceGenerationTime" ma:hidden="true" ma:internalName="MediaServiceGenerationTime" ma:readOnly="true">
+      <xsd:simpleType>
+        <xsd:restriction base="dms:Text"/>
+      </xsd:simpleType>
+    </xsd:element>
+    <xsd:element name="MediaServiceEventHashCode" ma:index="18" nillable="true" ma:displayName="MediaServiceEventHashCode" ma:hidden="true" ma:internalName="MediaServiceEventHashCode" ma:readOnly="true">
+      <xsd:simpleType>
+        <xsd:restriction base="dms:Text"/>
+      </xsd:simpleType>
+    </xsd:element>
+    <xsd:element name="MediaLengthInSeconds" ma:index="19" nillable="true" ma:displayName="MediaLengthInSeconds" ma:hidden="true" ma:internalName="MediaLengthInSeconds" ma:readOnly="true">
+      <xsd:simpleType>
+        <xsd:restriction base="dms:Unknown"/>
+      </xsd:simpleType>
+    </xsd:element>
+  </xsd:schema>
+  <xsd:schema xmlns:xsd="http://www.w3.org/2001/XMLSchema" xmlns:xs="http://www.w3.org/2001/XMLSchema" xmlns:dms="http://schemas.microsoft.com/office/2006/documentManagement/types" xmlns:pc="http://schemas.microsoft.com/office/infopath/2007/PartnerControls" targetNamespace="e9b5433c-2372-4cb7-8bab-09518096b29b" elementFormDefault="qualified">
+    <xsd:import namespace="http://schemas.microsoft.com/office/2006/documentManagement/types"/>
+    <xsd:import namespace="http://schemas.microsoft.com/office/infopath/2007/PartnerControls"/>
+    <xsd:element name="TaxCatchAll" ma:index="14" nillable="true" ma:displayName="Taxonomy Catch All Column" ma:hidden="true" ma:list="{ac4bbe8c-9a55-4d5f-b385-d948ddfe6c4d}" ma:internalName="TaxCatchAll" ma:showField="CatchAllData" ma:web="e9b5433c-2372-4cb7-8bab-09518096b29b">
+      <xsd:complexType>
+        <xsd:complexContent>
+          <xsd:extension base="dms:MultiChoiceLookup">
+            <xsd:sequence>
+              <xsd:element name="Value" type="dms:Lookup" maxOccurs="unbounded" minOccurs="0" nillable="true"/>
+            </xsd:sequence>
+          </xsd:extension>
+        </xsd:complexContent>
+      </xsd:complexType>
+    </xsd:element>
+  </xsd:schema>
+  <xsd:schema xmlns="http://schemas.openxmlformats.org/package/2006/metadata/core-properties" xmlns:xsd="http://www.w3.org/2001/XMLSchema" xmlns:xsi="http://www.w3.org/2001/XMLSchema-instance" xmlns:dc="http://purl.org/dc/elements/1.1/" xmlns:dcterms="http://purl.org/dc/terms/" xmlns:odoc="http://schemas.microsoft.com/internal/obd" targetNamespace="http://schemas.openxmlformats.org/package/2006/metadata/core-properties" elementFormDefault="qualified" attributeFormDefault="unqualified" blockDefault="#all">
+    <xsd:import namespace="http://purl.org/dc/elements/1.1/" schemaLocation="http://dublincore.org/schemas/xmls/qdc/2003/04/02/dc.xsd"/>
+    <xsd:import namespace="http://purl.org/dc/terms/" schemaLocation="http://dublincore.org/schemas/xmls/qdc/2003/04/02/dcterms.xsd"/>
+    <xsd:element name="coreProperties" type="CT_coreProperties"/>
+    <xsd:complexType name="CT_coreProperties">
+      <xsd:all>
+        <xsd:element ref="dc:creator" minOccurs="0" maxOccurs="1"/>
+        <xsd:element ref="dcterms:created" minOccurs="0" maxOccurs="1"/>
+        <xsd:element ref="dc:identifier" minOccurs="0" maxOccurs="1"/>
+        <xsd:element name="contentType" minOccurs="0" maxOccurs="1" type="xsd:string" ma:index="0" ma:displayName="Tipo di contenuto"/>
+        <xsd:element ref="dc:title" minOccurs="0" maxOccurs="1" ma:index="4" ma:displayName="Titolo"/>
+        <xsd:element ref="dc:subject" minOccurs="0" maxOccurs="1"/>
+        <xsd:element ref="dc:description" minOccurs="0" maxOccurs="1"/>
+        <xsd:element name="keywords" minOccurs="0" maxOccurs="1" type="xsd:string"/>
+        <xsd:element ref="dc:language" minOccurs="0" maxOccurs="1"/>
+        <xsd:element name="category" minOccurs="0" maxOccurs="1" type="xsd:string"/>
+        <xsd:element name="version" minOccurs="0" maxOccurs="1" type="xsd:string"/>
+        <xsd:element name="revision" minOccurs="0" maxOccurs="1" type="xsd:string">
+          <xsd:annotation>
+            <xsd:documentation>
+                        This value indicates the number of saves or revisions. The application is responsible for updating this value after each revision.
+                    </xsd:documentation>
+          </xsd:annotation>
+        </xsd:element>
+        <xsd:element name="lastModifiedBy" minOccurs="0" maxOccurs="1" type="xsd:string"/>
+        <xsd:element ref="dcterms:modified" minOccurs="0" maxOccurs="1"/>
+        <xsd:element name="contentStatus" minOccurs="0" maxOccurs="1" type="xsd:string"/>
+      </xsd:all>
+    </xsd:complexType>
+  </xsd:schema>
+  <xs:schema xmlns:pc="http://schemas.microsoft.com/office/infopath/2007/PartnerControls" xmlns:xs="http://www.w3.org/2001/XMLSchema" targetNamespace="http://schemas.microsoft.com/office/infopath/2007/PartnerControls" elementFormDefault="qualified" attributeFormDefault="unqualified">
+    <xs:element name="Person">
+      <xs:complexType>
+        <xs:sequence>
+          <xs:element ref="pc:DisplayName" minOccurs="0"/>
+          <xs:element ref="pc:AccountId" minOccurs="0"/>
+          <xs:element ref="pc:AccountType" minOccurs="0"/>
+        </xs:sequence>
+      </xs:complexType>
+    </xs:element>
+    <xs:element name="DisplayName" type="xs:string"/>
+    <xs:element name="AccountId" type="xs:string"/>
+    <xs:element name="AccountType" type="xs:string"/>
+    <xs:element name="BDCAssociatedEntity">
+      <xs:complexType>
+        <xs:sequence>
+          <xs:element ref="pc:BDCEntity" minOccurs="0" maxOccurs="unbounded"/>
+        </xs:sequence>
+        <xs:attribute ref="pc:EntityNamespace"/>
+        <xs:attribute ref="pc:EntityName"/>
+        <xs:attribute ref="pc:SystemInstanceName"/>
+        <xs:attribute ref="pc:AssociationName"/>
+      </xs:complexType>
+    </xs:element>
+    <xs:attribute name="EntityNamespace" type="xs:string"/>
+    <xs:attribute name="EntityName" type="xs:string"/>
+    <xs:attribute name="SystemInstanceName" type="xs:string"/>
+    <xs:attribute name="AssociationName" type="xs:string"/>
+    <xs:element name="BDCEntity">
+      <xs:complexType>
+        <xs:sequence>
+          <xs:element ref="pc:EntityDisplayName" minOccurs="0"/>
+          <xs:element ref="pc:EntityInstanceReference" minOccurs="0"/>
+          <xs:element ref="pc:EntityId1" minOccurs="0"/>
+          <xs:element ref="pc:EntityId2" minOccurs="0"/>
+          <xs:element ref="pc:EntityId3" minOccurs="0"/>
+          <xs:element ref="pc:EntityId4" minOccurs="0"/>
+          <xs:element ref="pc:EntityId5" minOccurs="0"/>
+        </xs:sequence>
+      </xs:complexType>
+    </xs:element>
+    <xs:element name="EntityDisplayName" type="xs:string"/>
+    <xs:element name="EntityInstanceReference" type="xs:string"/>
+    <xs:element name="EntityId1" type="xs:string"/>
+    <xs:element name="EntityId2" type="xs:string"/>
+    <xs:element name="EntityId3" type="xs:string"/>
+    <xs:element name="EntityId4" type="xs:string"/>
+    <xs:element name="EntityId5" type="xs:string"/>
+    <xs:element name="Terms">
+      <xs:complexType>
+        <xs:sequence>
+          <xs:element ref="pc:TermInfo" minOccurs="0" maxOccurs="unbounded"/>
+        </xs:sequence>
+      </xs:complexType>
+    </xs:element>
+    <xs:element name="TermInfo">
+      <xs:complexType>
+        <xs:sequence>
+          <xs:element ref="pc:TermName" minOccurs="0"/>
+          <xs:element ref="pc:TermId" minOccurs="0"/>
+        </xs:sequence>
+      </xs:complexType>
+    </xs:element>
+    <xs:element name="TermName" type="xs:string"/>
+    <xs:element name="TermId" type="xs:string"/>
+  </xs:schema>
+</ct:contentTypeSchema>
+</file>
+
+<file path=customXml/item2.xml><?xml version="1.0" encoding="utf-8"?>
+<?mso-contentType ?>
+<FormTemplates xmlns="http://schemas.microsoft.com/sharepoint/v3/contenttype/forms">
+  <Display>DocumentLibraryForm</Display>
+  <Edit>DocumentLibraryForm</Edit>
+  <New>DocumentLibraryForm</New>
+</FormTemplates>
+</file>
+
+<file path=customXml/item3.xml><?xml version="1.0" encoding="utf-8"?>
+<p:properties xmlns:p="http://schemas.microsoft.com/office/2006/metadata/properties" xmlns:xsi="http://www.w3.org/2001/XMLSchema-instance" xmlns:pc="http://schemas.microsoft.com/office/infopath/2007/PartnerControls">
+  <documentManagement>
+    <TaxCatchAll xmlns="e9b5433c-2372-4cb7-8bab-09518096b29b" xsi:nil="true"/>
+    <lcf76f155ced4ddcb4097134ff3c332f xmlns="3bd0d43f-5e5b-43cd-b6fc-691bd77672c6">
+      <Terms xmlns="http://schemas.microsoft.com/office/infopath/2007/PartnerControls"/>
+    </lcf76f155ced4ddcb4097134ff3c332f>
+  </documentManagement>
+</p:properties>
+</file>
+
+<file path=customXml/itemProps1.xml><?xml version="1.0" encoding="utf-8"?>
+<ds:datastoreItem xmlns:ds="http://schemas.openxmlformats.org/officeDocument/2006/customXml" ds:itemID="{209A5D33-C100-4F4E-A85B-9E1EF0319A50}"/>
+</file>
+
+<file path=customXml/itemProps2.xml><?xml version="1.0" encoding="utf-8"?>
+<ds:datastoreItem xmlns:ds="http://schemas.openxmlformats.org/officeDocument/2006/customXml" ds:itemID="{018D92DE-74D8-4E8D-B660-A4E78A249987}"/>
+</file>
+
+<file path=customXml/itemProps3.xml><?xml version="1.0" encoding="utf-8"?>
+<ds:datastoreItem xmlns:ds="http://schemas.openxmlformats.org/officeDocument/2006/customXml" ds:itemID="{E5D0B8B2-4476-4716-BA59-88DF709D873D}"/>
 </file>